--- a/presentation/International-Product.pptx
+++ b/presentation/International-Product.pptx
@@ -6,6 +6,10 @@
   </p:sldMasterIdLst>
   <p:sldIdLst>
     <p:sldId id="256" r:id="rId2"/>
+    <p:sldId id="257" r:id="rId3"/>
+    <p:sldId id="258" r:id="rId4"/>
+    <p:sldId id="259" r:id="rId5"/>
+    <p:sldId id="260" r:id="rId6"/>
   </p:sldIdLst>
   <p:sldSz cx="12192000" cy="6858000"/>
   <p:notesSz cx="6858000" cy="9144000"/>
@@ -104,6 +108,11 @@
       </a:defRPr>
     </a:lvl9pPr>
   </p:defaultTextStyle>
+  <p:extLst>
+    <p:ext uri="{EFAFB233-063F-42B5-8137-9DF3F51BA10A}">
+      <p15:sldGuideLst xmlns:p15="http://schemas.microsoft.com/office/powerpoint/2012/main"/>
+    </p:ext>
+  </p:extLst>
 </p:presentation>
 </file>
 
@@ -260,7 +269,7 @@
           <a:p>
             <a:fld id="{79C5A860-F335-4252-AA00-24FB67ED2982}" type="datetime1">
               <a:rPr lang="en-US" smtClean="0"/>
-              <a:t>01-Mar-25</a:t>
+              <a:t>03-Mar-25</a:t>
             </a:fld>
             <a:endParaRPr lang="en-US"/>
           </a:p>
@@ -459,7 +468,7 @@
           <a:p>
             <a:fld id="{46AB1048-0047-48CA-88BA-D69B470942CF}" type="datetime1">
               <a:rPr lang="en-US" smtClean="0"/>
-              <a:t>01-Mar-25</a:t>
+              <a:t>03-Mar-25</a:t>
             </a:fld>
             <a:endParaRPr lang="en-US"/>
           </a:p>
@@ -669,7 +678,7 @@
           <a:p>
             <a:fld id="{5BD83879-648C-49A9-81A2-0EF5946532D0}" type="datetime1">
               <a:rPr lang="en-US" smtClean="0"/>
-              <a:t>01-Mar-25</a:t>
+              <a:t>03-Mar-25</a:t>
             </a:fld>
             <a:endParaRPr lang="en-US"/>
           </a:p>
@@ -867,7 +876,7 @@
           <a:p>
             <a:fld id="{D04BC802-30E3-4658-9CCA-F873646FEC67}" type="datetime1">
               <a:rPr lang="en-US" smtClean="0"/>
-              <a:t>01-Mar-25</a:t>
+              <a:t>03-Mar-25</a:t>
             </a:fld>
             <a:endParaRPr lang="en-US"/>
           </a:p>
@@ -1145,7 +1154,7 @@
           <a:p>
             <a:fld id="{0AB227A3-19CE-4153-81CE-64EB7AB094B3}" type="datetime1">
               <a:rPr lang="en-US" smtClean="0"/>
-              <a:t>01-Mar-25</a:t>
+              <a:t>03-Mar-25</a:t>
             </a:fld>
             <a:endParaRPr lang="en-US"/>
           </a:p>
@@ -1412,7 +1421,7 @@
           <a:p>
             <a:fld id="{B819A100-10F6-477E-8847-29D479EF1C92}" type="datetime1">
               <a:rPr lang="en-US" smtClean="0"/>
-              <a:t>01-Mar-25</a:t>
+              <a:t>03-Mar-25</a:t>
             </a:fld>
             <a:endParaRPr lang="en-US"/>
           </a:p>
@@ -1826,7 +1835,7 @@
           <a:p>
             <a:fld id="{5DF128AB-198A-495F-8475-FDB360C9873F}" type="datetime1">
               <a:rPr lang="en-US" smtClean="0"/>
-              <a:t>01-Mar-25</a:t>
+              <a:t>03-Mar-25</a:t>
             </a:fld>
             <a:endParaRPr lang="en-US"/>
           </a:p>
@@ -1967,7 +1976,7 @@
           <a:p>
             <a:fld id="{021A235E-F8FD-479F-9FC7-18BE84110877}" type="datetime1">
               <a:rPr lang="en-US" smtClean="0"/>
-              <a:t>01-Mar-25</a:t>
+              <a:t>03-Mar-25</a:t>
             </a:fld>
             <a:endParaRPr lang="en-US"/>
           </a:p>
@@ -2080,7 +2089,7 @@
           <a:p>
             <a:fld id="{E890F09B-68DA-462E-9DB4-4C9ADAB8CBCC}" type="datetime1">
               <a:rPr lang="en-US" smtClean="0"/>
-              <a:t>01-Mar-25</a:t>
+              <a:t>03-Mar-25</a:t>
             </a:fld>
             <a:endParaRPr lang="en-US"/>
           </a:p>
@@ -2399,7 +2408,7 @@
           <a:p>
             <a:fld id="{17AC4E36-FABE-47EB-AA7F-C19A93824617}" type="datetime1">
               <a:rPr lang="en-US" smtClean="0"/>
-              <a:t>01-Mar-25</a:t>
+              <a:t>03-Mar-25</a:t>
             </a:fld>
             <a:endParaRPr lang="en-US"/>
           </a:p>
@@ -2696,7 +2705,7 @@
           <a:p>
             <a:fld id="{F199CE6B-5DE6-4A2D-B72E-5E8969F9F56F}" type="datetime1">
               <a:rPr lang="en-US" smtClean="0"/>
-              <a:t>01-Mar-25</a:t>
+              <a:t>03-Mar-25</a:t>
             </a:fld>
             <a:endParaRPr lang="en-US"/>
           </a:p>
@@ -3554,7 +3563,7 @@
           <a:p>
             <a:fld id="{F481A142-DA77-4A5F-AD1F-14E6C18F0F5F}" type="datetime1">
               <a:rPr lang="en-US" smtClean="0"/>
-              <a:t>01-Mar-25</a:t>
+              <a:t>03-Mar-25</a:t>
             </a:fld>
             <a:endParaRPr lang="en-US" dirty="0"/>
           </a:p>
@@ -4411,6 +4420,3178 @@
 </p:sld>
 </file>
 
+<file path=ppt/slides/slide2.xml><?xml version="1.0" encoding="utf-8"?>
+<p:sld xmlns:a="http://schemas.openxmlformats.org/drawingml/2006/main" xmlns:r="http://schemas.openxmlformats.org/officeDocument/2006/relationships" xmlns:p="http://schemas.openxmlformats.org/presentationml/2006/main">
+  <p:cSld>
+    <p:bg>
+      <p:bgPr>
+        <a:solidFill>
+          <a:schemeClr val="bg2"/>
+        </a:solidFill>
+        <a:effectLst/>
+      </p:bgPr>
+    </p:bg>
+    <p:spTree>
+      <p:nvGrpSpPr>
+        <p:cNvPr id="1" name="">
+          <a:extLst>
+            <a:ext uri="{FF2B5EF4-FFF2-40B4-BE49-F238E27FC236}">
+              <a16:creationId xmlns:a16="http://schemas.microsoft.com/office/drawing/2014/main" id="{CBF24AD2-B20F-A80F-E9FA-E588324AB743}"/>
+            </a:ext>
+          </a:extLst>
+        </p:cNvPr>
+        <p:cNvGrpSpPr/>
+        <p:nvPr/>
+      </p:nvGrpSpPr>
+      <p:grpSpPr>
+        <a:xfrm>
+          <a:off x="0" y="0"/>
+          <a:ext cx="0" cy="0"/>
+          <a:chOff x="0" y="0"/>
+          <a:chExt cx="0" cy="0"/>
+        </a:xfrm>
+      </p:grpSpPr>
+      <p:sp useBgFill="1">
+        <p:nvSpPr>
+          <p:cNvPr id="9" name="Background Fill">
+            <a:extLst>
+              <a:ext uri="{FF2B5EF4-FFF2-40B4-BE49-F238E27FC236}">
+                <a16:creationId xmlns:a16="http://schemas.microsoft.com/office/drawing/2014/main" id="{25135446-5CCE-35DE-56E4-53F44ACA5DF4}"/>
+              </a:ext>
+              <a:ext uri="{C183D7F6-B498-43B3-948B-1728B52AA6E4}">
+                <adec:decorative xmlns:adec="http://schemas.microsoft.com/office/drawing/2017/decorative" val="1"/>
+              </a:ext>
+            </a:extLst>
+          </p:cNvPr>
+          <p:cNvSpPr>
+            <a:spLocks noGrp="1" noRot="1" noChangeAspect="1" noMove="1" noResize="1" noEditPoints="1" noAdjustHandles="1" noChangeArrowheads="1" noChangeShapeType="1" noTextEdit="1"/>
+          </p:cNvSpPr>
+          <p:nvPr>
+            <p:extLst>
+              <p:ext uri="{386F3935-93C4-4BCD-93E2-E3B085C9AB24}">
+                <p16:designElem xmlns:p16="http://schemas.microsoft.com/office/powerpoint/2015/main" val="1"/>
+              </p:ext>
+            </p:extLst>
+          </p:nvPr>
+        </p:nvSpPr>
+        <p:spPr>
+          <a:xfrm>
+            <a:off x="0" y="0"/>
+            <a:ext cx="12188952" cy="6858000"/>
+          </a:xfrm>
+          <a:prstGeom prst="rect">
+            <a:avLst/>
+          </a:prstGeom>
+          <a:ln>
+            <a:noFill/>
+          </a:ln>
+        </p:spPr>
+        <p:style>
+          <a:lnRef idx="2">
+            <a:schemeClr val="accent1">
+              <a:shade val="50000"/>
+            </a:schemeClr>
+          </a:lnRef>
+          <a:fillRef idx="1">
+            <a:schemeClr val="accent1"/>
+          </a:fillRef>
+          <a:effectRef idx="0">
+            <a:schemeClr val="accent1"/>
+          </a:effectRef>
+          <a:fontRef idx="minor">
+            <a:schemeClr val="lt1"/>
+          </a:fontRef>
+        </p:style>
+        <p:txBody>
+          <a:bodyPr rtlCol="0" anchor="ctr"/>
+          <a:lstStyle/>
+          <a:p>
+            <a:pPr algn="ctr"/>
+            <a:endParaRPr lang="en-US"/>
+          </a:p>
+        </p:txBody>
+      </p:sp>
+      <p:sp>
+        <p:nvSpPr>
+          <p:cNvPr id="11" name="Rectangle 10">
+            <a:extLst>
+              <a:ext uri="{FF2B5EF4-FFF2-40B4-BE49-F238E27FC236}">
+                <a16:creationId xmlns:a16="http://schemas.microsoft.com/office/drawing/2014/main" id="{B2865007-8854-ECDB-4682-60091625A3AF}"/>
+              </a:ext>
+              <a:ext uri="{C183D7F6-B498-43B3-948B-1728B52AA6E4}">
+                <adec:decorative xmlns:adec="http://schemas.microsoft.com/office/drawing/2017/decorative" val="1"/>
+              </a:ext>
+            </a:extLst>
+          </p:cNvPr>
+          <p:cNvSpPr>
+            <a:spLocks noGrp="1" noRot="1" noChangeAspect="1" noMove="1" noResize="1" noEditPoints="1" noAdjustHandles="1" noChangeArrowheads="1" noChangeShapeType="1" noTextEdit="1"/>
+          </p:cNvSpPr>
+          <p:nvPr>
+            <p:extLst>
+              <p:ext uri="{386F3935-93C4-4BCD-93E2-E3B085C9AB24}">
+                <p16:designElem xmlns:p16="http://schemas.microsoft.com/office/powerpoint/2015/main" val="1"/>
+              </p:ext>
+            </p:extLst>
+          </p:nvPr>
+        </p:nvSpPr>
+        <p:spPr>
+          <a:xfrm>
+            <a:off x="0" y="0"/>
+            <a:ext cx="12192001" cy="6858000"/>
+          </a:xfrm>
+          <a:prstGeom prst="rect">
+            <a:avLst/>
+          </a:prstGeom>
+          <a:solidFill>
+            <a:srgbClr val="AEAEAE">
+              <a:alpha val="10000"/>
+            </a:srgbClr>
+          </a:solidFill>
+          <a:ln>
+            <a:noFill/>
+          </a:ln>
+        </p:spPr>
+        <p:style>
+          <a:lnRef idx="2">
+            <a:schemeClr val="accent1">
+              <a:shade val="50000"/>
+            </a:schemeClr>
+          </a:lnRef>
+          <a:fillRef idx="1">
+            <a:schemeClr val="accent1"/>
+          </a:fillRef>
+          <a:effectRef idx="0">
+            <a:schemeClr val="accent1"/>
+          </a:effectRef>
+          <a:fontRef idx="minor">
+            <a:schemeClr val="lt1"/>
+          </a:fontRef>
+        </p:style>
+        <p:txBody>
+          <a:bodyPr rtlCol="0" anchor="ctr"/>
+          <a:lstStyle/>
+          <a:p>
+            <a:pPr algn="ctr"/>
+            <a:endParaRPr lang="en-US" dirty="0"/>
+          </a:p>
+        </p:txBody>
+      </p:sp>
+      <p:pic>
+        <p:nvPicPr>
+          <p:cNvPr id="4" name="Picture 3" descr="Colored pencils inside a pencil holder which is on top of a wood table">
+            <a:extLst>
+              <a:ext uri="{FF2B5EF4-FFF2-40B4-BE49-F238E27FC236}">
+                <a16:creationId xmlns:a16="http://schemas.microsoft.com/office/drawing/2014/main" id="{CE31C744-9899-C860-69C6-39902C091D70}"/>
+              </a:ext>
+            </a:extLst>
+          </p:cNvPr>
+          <p:cNvPicPr>
+            <a:picLocks noChangeAspect="1"/>
+          </p:cNvPicPr>
+          <p:nvPr/>
+        </p:nvPicPr>
+        <p:blipFill>
+          <a:blip r:embed="rId2"/>
+          <a:srcRect l="44418" r="-1" b="-1"/>
+          <a:stretch/>
+        </p:blipFill>
+        <p:spPr>
+          <a:xfrm>
+            <a:off x="20" y="10"/>
+            <a:ext cx="5710632" cy="6857990"/>
+          </a:xfrm>
+          <a:custGeom>
+            <a:avLst/>
+            <a:gdLst/>
+            <a:ahLst/>
+            <a:cxnLst/>
+            <a:rect l="l" t="t" r="r" b="b"/>
+            <a:pathLst>
+              <a:path w="5710652" h="6858000">
+                <a:moveTo>
+                  <a:pt x="4831301" y="0"/>
+                </a:moveTo>
+                <a:lnTo>
+                  <a:pt x="5696109" y="0"/>
+                </a:lnTo>
+                <a:lnTo>
+                  <a:pt x="5706418" y="42969"/>
+                </a:lnTo>
+                <a:cubicBezTo>
+                  <a:pt x="5714414" y="100391"/>
+                  <a:pt x="5711283" y="160329"/>
+                  <a:pt x="5695333" y="219852"/>
+                </a:cubicBezTo>
+                <a:cubicBezTo>
+                  <a:pt x="5631536" y="457945"/>
+                  <a:pt x="5386806" y="599240"/>
+                  <a:pt x="5148712" y="535443"/>
+                </a:cubicBezTo>
+                <a:cubicBezTo>
+                  <a:pt x="4940381" y="479621"/>
+                  <a:pt x="4806160" y="285271"/>
+                  <a:pt x="4818599" y="78052"/>
+                </a:cubicBezTo>
+                <a:close/>
+                <a:moveTo>
+                  <a:pt x="0" y="0"/>
+                </a:moveTo>
+                <a:lnTo>
+                  <a:pt x="545808" y="0"/>
+                </a:lnTo>
+                <a:lnTo>
+                  <a:pt x="4212872" y="0"/>
+                </a:lnTo>
+                <a:lnTo>
+                  <a:pt x="4204748" y="184996"/>
+                </a:lnTo>
+                <a:cubicBezTo>
+                  <a:pt x="4203390" y="263520"/>
+                  <a:pt x="4204263" y="341910"/>
+                  <a:pt x="4207775" y="419995"/>
+                </a:cubicBezTo>
+                <a:cubicBezTo>
+                  <a:pt x="4220964" y="709488"/>
+                  <a:pt x="4449625" y="891535"/>
+                  <a:pt x="4655737" y="1068099"/>
+                </a:cubicBezTo>
+                <a:cubicBezTo>
+                  <a:pt x="5169527" y="1508061"/>
+                  <a:pt x="5344373" y="2032158"/>
+                  <a:pt x="5103604" y="2589405"/>
+                </a:cubicBezTo>
+                <a:cubicBezTo>
+                  <a:pt x="5010230" y="2805523"/>
+                  <a:pt x="4828675" y="2993264"/>
+                  <a:pt x="4657611" y="3164269"/>
+                </a:cubicBezTo>
+                <a:cubicBezTo>
+                  <a:pt x="4198817" y="3622744"/>
+                  <a:pt x="4217616" y="4154456"/>
+                  <a:pt x="4499219" y="4641255"/>
+                </a:cubicBezTo>
+                <a:cubicBezTo>
+                  <a:pt x="4699839" y="4986832"/>
+                  <a:pt x="4940395" y="5311556"/>
+                  <a:pt x="5110950" y="5670858"/>
+                </a:cubicBezTo>
+                <a:cubicBezTo>
+                  <a:pt x="5277001" y="6019042"/>
+                  <a:pt x="5375520" y="6366409"/>
+                  <a:pt x="5396522" y="6707670"/>
+                </a:cubicBezTo>
+                <a:lnTo>
+                  <a:pt x="5398895" y="6858000"/>
+                </a:lnTo>
+                <a:lnTo>
+                  <a:pt x="0" y="6858000"/>
+                </a:lnTo>
+                <a:close/>
+              </a:path>
+            </a:pathLst>
+          </a:custGeom>
+        </p:spPr>
+      </p:pic>
+      <p:pic>
+        <p:nvPicPr>
+          <p:cNvPr id="3" name="Picture 2">
+            <a:extLst>
+              <a:ext uri="{FF2B5EF4-FFF2-40B4-BE49-F238E27FC236}">
+                <a16:creationId xmlns:a16="http://schemas.microsoft.com/office/drawing/2014/main" id="{CC4CA0CF-C035-A24E-912D-F2A0C77B4324}"/>
+              </a:ext>
+            </a:extLst>
+          </p:cNvPr>
+          <p:cNvPicPr>
+            <a:picLocks noChangeAspect="1"/>
+          </p:cNvPicPr>
+          <p:nvPr/>
+        </p:nvPicPr>
+        <p:blipFill>
+          <a:blip r:embed="rId3"/>
+          <a:stretch>
+            <a:fillRect/>
+          </a:stretch>
+        </p:blipFill>
+        <p:spPr>
+          <a:xfrm>
+            <a:off x="4706711" y="156921"/>
+            <a:ext cx="2764108" cy="6408691"/>
+          </a:xfrm>
+          <a:prstGeom prst="rect">
+            <a:avLst/>
+          </a:prstGeom>
+          <a:ln>
+            <a:noFill/>
+          </a:ln>
+          <a:effectLst>
+            <a:outerShdw blurRad="292100" dist="139700" dir="2700000" algn="tl" rotWithShape="0">
+              <a:srgbClr val="333333">
+                <a:alpha val="65000"/>
+              </a:srgbClr>
+            </a:outerShdw>
+          </a:effectLst>
+        </p:spPr>
+      </p:pic>
+      <p:sp>
+        <p:nvSpPr>
+          <p:cNvPr id="7" name="TextBox 6">
+            <a:extLst>
+              <a:ext uri="{FF2B5EF4-FFF2-40B4-BE49-F238E27FC236}">
+                <a16:creationId xmlns:a16="http://schemas.microsoft.com/office/drawing/2014/main" id="{7931FBAC-EED4-F04B-25E6-FCE1979F4911}"/>
+              </a:ext>
+            </a:extLst>
+          </p:cNvPr>
+          <p:cNvSpPr txBox="1"/>
+          <p:nvPr/>
+        </p:nvSpPr>
+        <p:spPr>
+          <a:xfrm>
+            <a:off x="10024446" y="6273225"/>
+            <a:ext cx="2639994" cy="584775"/>
+          </a:xfrm>
+          <a:prstGeom prst="rect">
+            <a:avLst/>
+          </a:prstGeom>
+          <a:noFill/>
+        </p:spPr>
+        <p:txBody>
+          <a:bodyPr wrap="square" rtlCol="0">
+            <a:spAutoFit/>
+          </a:bodyPr>
+          <a:lstStyle/>
+          <a:p>
+            <a:pPr algn="ctr"/>
+            <a:r>
+              <a:rPr lang="th-TH" sz="1600" dirty="0"/>
+              <a:t>65313143</a:t>
+            </a:r>
+          </a:p>
+          <a:p>
+            <a:pPr algn="ctr"/>
+            <a:r>
+              <a:rPr lang="th-TH" sz="1600" dirty="0"/>
+              <a:t>นายเปรมิตร พรมอินทร์</a:t>
+            </a:r>
+            <a:endParaRPr lang="en-US" sz="1600" dirty="0"/>
+          </a:p>
+        </p:txBody>
+      </p:sp>
+      <p:sp>
+        <p:nvSpPr>
+          <p:cNvPr id="8" name="TextBox 7">
+            <a:extLst>
+              <a:ext uri="{FF2B5EF4-FFF2-40B4-BE49-F238E27FC236}">
+                <a16:creationId xmlns:a16="http://schemas.microsoft.com/office/drawing/2014/main" id="{5AADE8CB-3E9E-B262-A6B6-91FCA1CA8FF8}"/>
+              </a:ext>
+            </a:extLst>
+          </p:cNvPr>
+          <p:cNvSpPr txBox="1"/>
+          <p:nvPr/>
+        </p:nvSpPr>
+        <p:spPr>
+          <a:xfrm>
+            <a:off x="8178632" y="0"/>
+            <a:ext cx="3302507" cy="646331"/>
+          </a:xfrm>
+          <a:prstGeom prst="rect">
+            <a:avLst/>
+          </a:prstGeom>
+          <a:noFill/>
+        </p:spPr>
+        <p:txBody>
+          <a:bodyPr wrap="none" rtlCol="0">
+            <a:spAutoFit/>
+          </a:bodyPr>
+          <a:lstStyle/>
+          <a:p>
+            <a:r>
+              <a:rPr lang="th-TH" sz="3600" dirty="0"/>
+              <a:t>งานแสดงสินค้านานาชาติ</a:t>
+            </a:r>
+            <a:endParaRPr lang="en-US" sz="3600" dirty="0"/>
+          </a:p>
+        </p:txBody>
+      </p:sp>
+      <p:cxnSp>
+        <p:nvCxnSpPr>
+          <p:cNvPr id="6" name="Straight Arrow Connector 5">
+            <a:extLst>
+              <a:ext uri="{FF2B5EF4-FFF2-40B4-BE49-F238E27FC236}">
+                <a16:creationId xmlns:a16="http://schemas.microsoft.com/office/drawing/2014/main" id="{88F1E512-842D-37E1-D915-DD6DE39EB925}"/>
+              </a:ext>
+            </a:extLst>
+          </p:cNvPr>
+          <p:cNvCxnSpPr>
+            <a:cxnSpLocks/>
+            <a:endCxn id="13" idx="1"/>
+          </p:cNvCxnSpPr>
+          <p:nvPr/>
+        </p:nvCxnSpPr>
+        <p:spPr>
+          <a:xfrm>
+            <a:off x="7269001" y="2546834"/>
+            <a:ext cx="2909032" cy="0"/>
+          </a:xfrm>
+          <a:prstGeom prst="straightConnector1">
+            <a:avLst/>
+          </a:prstGeom>
+          <a:ln w="19050" cap="flat" cmpd="sng" algn="ctr">
+            <a:solidFill>
+              <a:schemeClr val="accent5"/>
+            </a:solidFill>
+            <a:prstDash val="solid"/>
+            <a:round/>
+            <a:headEnd type="none" w="med" len="med"/>
+            <a:tailEnd type="arrow" w="med" len="med"/>
+          </a:ln>
+        </p:spPr>
+        <p:style>
+          <a:lnRef idx="0">
+            <a:scrgbClr r="0" g="0" b="0"/>
+          </a:lnRef>
+          <a:fillRef idx="0">
+            <a:scrgbClr r="0" g="0" b="0"/>
+          </a:fillRef>
+          <a:effectRef idx="0">
+            <a:scrgbClr r="0" g="0" b="0"/>
+          </a:effectRef>
+          <a:fontRef idx="minor">
+            <a:schemeClr val="tx1"/>
+          </a:fontRef>
+        </p:style>
+      </p:cxnSp>
+      <p:sp>
+        <p:nvSpPr>
+          <p:cNvPr id="13" name="TextBox 12">
+            <a:extLst>
+              <a:ext uri="{FF2B5EF4-FFF2-40B4-BE49-F238E27FC236}">
+                <a16:creationId xmlns:a16="http://schemas.microsoft.com/office/drawing/2014/main" id="{26BDBE7C-EBE1-771A-3449-35B1D9C282BC}"/>
+              </a:ext>
+            </a:extLst>
+          </p:cNvPr>
+          <p:cNvSpPr txBox="1"/>
+          <p:nvPr/>
+        </p:nvSpPr>
+        <p:spPr>
+          <a:xfrm>
+            <a:off x="10178033" y="2346779"/>
+            <a:ext cx="2005677" cy="400110"/>
+          </a:xfrm>
+          <a:prstGeom prst="rect">
+            <a:avLst/>
+          </a:prstGeom>
+          <a:noFill/>
+        </p:spPr>
+        <p:txBody>
+          <a:bodyPr wrap="none" rtlCol="0">
+            <a:spAutoFit/>
+          </a:bodyPr>
+          <a:lstStyle/>
+          <a:p>
+            <a:r>
+              <a:rPr lang="th-TH" sz="2000" dirty="0"/>
+              <a:t>สำหรับแสดงรายการสินค้า</a:t>
+            </a:r>
+            <a:endParaRPr lang="en-US" sz="2000" dirty="0"/>
+          </a:p>
+        </p:txBody>
+      </p:sp>
+      <p:sp>
+        <p:nvSpPr>
+          <p:cNvPr id="19" name="TextBox 18">
+            <a:extLst>
+              <a:ext uri="{FF2B5EF4-FFF2-40B4-BE49-F238E27FC236}">
+                <a16:creationId xmlns:a16="http://schemas.microsoft.com/office/drawing/2014/main" id="{60E70357-3943-C174-C1D2-CE06D317485F}"/>
+              </a:ext>
+            </a:extLst>
+          </p:cNvPr>
+          <p:cNvSpPr txBox="1"/>
+          <p:nvPr/>
+        </p:nvSpPr>
+        <p:spPr>
+          <a:xfrm>
+            <a:off x="10817906" y="4007892"/>
+            <a:ext cx="1374094" cy="400110"/>
+          </a:xfrm>
+          <a:prstGeom prst="rect">
+            <a:avLst/>
+          </a:prstGeom>
+          <a:noFill/>
+        </p:spPr>
+        <p:txBody>
+          <a:bodyPr wrap="none" rtlCol="0">
+            <a:spAutoFit/>
+          </a:bodyPr>
+          <a:lstStyle/>
+          <a:p>
+            <a:r>
+              <a:rPr lang="th-TH" sz="2000" dirty="0"/>
+              <a:t>ถังขยะสำหรับลบ</a:t>
+            </a:r>
+            <a:endParaRPr lang="en-US" sz="2000" dirty="0"/>
+          </a:p>
+        </p:txBody>
+      </p:sp>
+      <p:cxnSp>
+        <p:nvCxnSpPr>
+          <p:cNvPr id="24" name="Connector: Elbow 23">
+            <a:extLst>
+              <a:ext uri="{FF2B5EF4-FFF2-40B4-BE49-F238E27FC236}">
+                <a16:creationId xmlns:a16="http://schemas.microsoft.com/office/drawing/2014/main" id="{3FDE99A3-0E7D-17F8-2EBC-AFA4410ACE24}"/>
+              </a:ext>
+            </a:extLst>
+          </p:cNvPr>
+          <p:cNvCxnSpPr>
+            <a:cxnSpLocks/>
+          </p:cNvCxnSpPr>
+          <p:nvPr/>
+        </p:nvCxnSpPr>
+        <p:spPr>
+          <a:xfrm>
+            <a:off x="7964964" y="3177847"/>
+            <a:ext cx="2518604" cy="1030100"/>
+          </a:xfrm>
+          <a:prstGeom prst="bentConnector3">
+            <a:avLst/>
+          </a:prstGeom>
+          <a:ln w="19050" cap="flat" cmpd="sng" algn="ctr">
+            <a:solidFill>
+              <a:schemeClr val="accent5"/>
+            </a:solidFill>
+            <a:prstDash val="solid"/>
+            <a:round/>
+            <a:headEnd type="none" w="med" len="med"/>
+            <a:tailEnd type="arrow" w="med" len="med"/>
+          </a:ln>
+        </p:spPr>
+        <p:style>
+          <a:lnRef idx="0">
+            <a:scrgbClr r="0" g="0" b="0"/>
+          </a:lnRef>
+          <a:fillRef idx="0">
+            <a:scrgbClr r="0" g="0" b="0"/>
+          </a:fillRef>
+          <a:effectRef idx="0">
+            <a:scrgbClr r="0" g="0" b="0"/>
+          </a:effectRef>
+          <a:fontRef idx="minor">
+            <a:schemeClr val="tx1"/>
+          </a:fontRef>
+        </p:style>
+      </p:cxnSp>
+      <p:sp>
+        <p:nvSpPr>
+          <p:cNvPr id="29" name="TextBox 28">
+            <a:extLst>
+              <a:ext uri="{FF2B5EF4-FFF2-40B4-BE49-F238E27FC236}">
+                <a16:creationId xmlns:a16="http://schemas.microsoft.com/office/drawing/2014/main" id="{9AC58CE5-0C18-3A29-C933-2F2F799DC304}"/>
+              </a:ext>
+            </a:extLst>
+          </p:cNvPr>
+          <p:cNvSpPr txBox="1"/>
+          <p:nvPr/>
+        </p:nvSpPr>
+        <p:spPr>
+          <a:xfrm>
+            <a:off x="211942" y="522506"/>
+            <a:ext cx="3177088" cy="707886"/>
+          </a:xfrm>
+          <a:prstGeom prst="rect">
+            <a:avLst/>
+          </a:prstGeom>
+          <a:noFill/>
+        </p:spPr>
+        <p:txBody>
+          <a:bodyPr wrap="none" rtlCol="0">
+            <a:spAutoFit/>
+          </a:bodyPr>
+          <a:lstStyle/>
+          <a:p>
+            <a:r>
+              <a:rPr lang="th-TH" sz="2000" dirty="0">
+                <a:solidFill>
+                  <a:schemeClr val="bg1"/>
+                </a:solidFill>
+              </a:rPr>
+              <a:t>เสิร์ชด้วยการใช้ </a:t>
+            </a:r>
+            <a:r>
+              <a:rPr lang="en-US" sz="2000" dirty="0">
+                <a:solidFill>
+                  <a:schemeClr val="bg1"/>
+                </a:solidFill>
+              </a:rPr>
+              <a:t>Exhibition Type </a:t>
+            </a:r>
+            <a:endParaRPr lang="th-TH" sz="2000" dirty="0">
+              <a:solidFill>
+                <a:schemeClr val="bg1"/>
+              </a:solidFill>
+            </a:endParaRPr>
+          </a:p>
+          <a:p>
+            <a:r>
+              <a:rPr lang="th-TH" sz="2000" dirty="0">
+                <a:solidFill>
+                  <a:schemeClr val="bg1"/>
+                </a:solidFill>
+              </a:rPr>
+              <a:t>หรือการแสดงสินค้าว่าแสดงแบบไหน</a:t>
+            </a:r>
+            <a:endParaRPr lang="en-US" sz="2000" dirty="0">
+              <a:solidFill>
+                <a:schemeClr val="bg1"/>
+              </a:solidFill>
+            </a:endParaRPr>
+          </a:p>
+        </p:txBody>
+      </p:sp>
+      <p:cxnSp>
+        <p:nvCxnSpPr>
+          <p:cNvPr id="31" name="Connector: Elbow 30">
+            <a:extLst>
+              <a:ext uri="{FF2B5EF4-FFF2-40B4-BE49-F238E27FC236}">
+                <a16:creationId xmlns:a16="http://schemas.microsoft.com/office/drawing/2014/main" id="{E079964B-025B-08F9-9A85-767589B21813}"/>
+              </a:ext>
+            </a:extLst>
+          </p:cNvPr>
+          <p:cNvCxnSpPr>
+            <a:endCxn id="29" idx="3"/>
+          </p:cNvCxnSpPr>
+          <p:nvPr/>
+        </p:nvCxnSpPr>
+        <p:spPr>
+          <a:xfrm rot="10800000">
+            <a:off x="3389030" y="876450"/>
+            <a:ext cx="1613162" cy="647551"/>
+          </a:xfrm>
+          <a:prstGeom prst="bentConnector3">
+            <a:avLst/>
+          </a:prstGeom>
+          <a:ln w="19050" cap="flat" cmpd="sng" algn="ctr">
+            <a:solidFill>
+              <a:schemeClr val="accent5"/>
+            </a:solidFill>
+            <a:prstDash val="solid"/>
+            <a:round/>
+            <a:headEnd type="none" w="med" len="med"/>
+            <a:tailEnd type="arrow" w="med" len="med"/>
+          </a:ln>
+        </p:spPr>
+        <p:style>
+          <a:lnRef idx="0">
+            <a:scrgbClr r="0" g="0" b="0"/>
+          </a:lnRef>
+          <a:fillRef idx="0">
+            <a:scrgbClr r="0" g="0" b="0"/>
+          </a:fillRef>
+          <a:effectRef idx="0">
+            <a:scrgbClr r="0" g="0" b="0"/>
+          </a:effectRef>
+          <a:fontRef idx="minor">
+            <a:schemeClr val="tx1"/>
+          </a:fontRef>
+        </p:style>
+      </p:cxnSp>
+      <p:cxnSp>
+        <p:nvCxnSpPr>
+          <p:cNvPr id="33" name="Connector: Elbow 32">
+            <a:extLst>
+              <a:ext uri="{FF2B5EF4-FFF2-40B4-BE49-F238E27FC236}">
+                <a16:creationId xmlns:a16="http://schemas.microsoft.com/office/drawing/2014/main" id="{B88FAF17-5585-66A5-6B78-DF137832600D}"/>
+              </a:ext>
+            </a:extLst>
+          </p:cNvPr>
+          <p:cNvCxnSpPr>
+            <a:cxnSpLocks/>
+          </p:cNvCxnSpPr>
+          <p:nvPr/>
+        </p:nvCxnSpPr>
+        <p:spPr>
+          <a:xfrm flipV="1">
+            <a:off x="6481350" y="1112569"/>
+            <a:ext cx="1767300" cy="411432"/>
+          </a:xfrm>
+          <a:prstGeom prst="bentConnector3">
+            <a:avLst>
+              <a:gd name="adj1" fmla="val 11734"/>
+            </a:avLst>
+          </a:prstGeom>
+          <a:ln w="19050" cap="flat" cmpd="sng" algn="ctr">
+            <a:solidFill>
+              <a:schemeClr val="accent5"/>
+            </a:solidFill>
+            <a:prstDash val="solid"/>
+            <a:round/>
+            <a:headEnd type="none" w="med" len="med"/>
+            <a:tailEnd type="arrow" w="med" len="med"/>
+          </a:ln>
+        </p:spPr>
+        <p:style>
+          <a:lnRef idx="0">
+            <a:scrgbClr r="0" g="0" b="0"/>
+          </a:lnRef>
+          <a:fillRef idx="0">
+            <a:scrgbClr r="0" g="0" b="0"/>
+          </a:fillRef>
+          <a:effectRef idx="0">
+            <a:scrgbClr r="0" g="0" b="0"/>
+          </a:effectRef>
+          <a:fontRef idx="minor">
+            <a:schemeClr val="tx1"/>
+          </a:fontRef>
+        </p:style>
+      </p:cxnSp>
+      <p:pic>
+        <p:nvPicPr>
+          <p:cNvPr id="40" name="Picture 39">
+            <a:extLst>
+              <a:ext uri="{FF2B5EF4-FFF2-40B4-BE49-F238E27FC236}">
+                <a16:creationId xmlns:a16="http://schemas.microsoft.com/office/drawing/2014/main" id="{C1F83F09-04C1-4C46-21AE-05E50D1EB807}"/>
+              </a:ext>
+            </a:extLst>
+          </p:cNvPr>
+          <p:cNvPicPr>
+            <a:picLocks noChangeAspect="1"/>
+          </p:cNvPicPr>
+          <p:nvPr/>
+        </p:nvPicPr>
+        <p:blipFill>
+          <a:blip r:embed="rId4"/>
+          <a:stretch>
+            <a:fillRect/>
+          </a:stretch>
+        </p:blipFill>
+        <p:spPr>
+          <a:xfrm>
+            <a:off x="9938799" y="558361"/>
+            <a:ext cx="1659083" cy="1711613"/>
+          </a:xfrm>
+          <a:prstGeom prst="rect">
+            <a:avLst/>
+          </a:prstGeom>
+        </p:spPr>
+      </p:pic>
+      <p:sp>
+        <p:nvSpPr>
+          <p:cNvPr id="43" name="TextBox 42">
+            <a:extLst>
+              <a:ext uri="{FF2B5EF4-FFF2-40B4-BE49-F238E27FC236}">
+                <a16:creationId xmlns:a16="http://schemas.microsoft.com/office/drawing/2014/main" id="{AC779F88-CF7F-FF4E-3A5C-4F34C8D431DB}"/>
+              </a:ext>
+            </a:extLst>
+          </p:cNvPr>
+          <p:cNvSpPr txBox="1"/>
+          <p:nvPr/>
+        </p:nvSpPr>
+        <p:spPr>
+          <a:xfrm>
+            <a:off x="8316271" y="785031"/>
+            <a:ext cx="1542410" cy="707886"/>
+          </a:xfrm>
+          <a:prstGeom prst="rect">
+            <a:avLst/>
+          </a:prstGeom>
+          <a:noFill/>
+        </p:spPr>
+        <p:txBody>
+          <a:bodyPr wrap="none" rtlCol="0">
+            <a:spAutoFit/>
+          </a:bodyPr>
+          <a:lstStyle/>
+          <a:p>
+            <a:r>
+              <a:rPr lang="th-TH" sz="2000" dirty="0"/>
+              <a:t>แสดงประเภทสินค้า</a:t>
+            </a:r>
+          </a:p>
+          <a:p>
+            <a:r>
+              <a:rPr lang="th-TH" sz="2000" dirty="0"/>
+              <a:t>ว่าเกี่ยวกับอะไร</a:t>
+            </a:r>
+            <a:endParaRPr lang="en-US" sz="2000" dirty="0"/>
+          </a:p>
+        </p:txBody>
+      </p:sp>
+      <p:cxnSp>
+        <p:nvCxnSpPr>
+          <p:cNvPr id="45" name="Connector: Elbow 44">
+            <a:extLst>
+              <a:ext uri="{FF2B5EF4-FFF2-40B4-BE49-F238E27FC236}">
+                <a16:creationId xmlns:a16="http://schemas.microsoft.com/office/drawing/2014/main" id="{2AB5F02A-B256-F99A-7AE6-8EF0E619E488}"/>
+              </a:ext>
+            </a:extLst>
+          </p:cNvPr>
+          <p:cNvCxnSpPr/>
+          <p:nvPr/>
+        </p:nvCxnSpPr>
+        <p:spPr>
+          <a:xfrm>
+            <a:off x="7269001" y="1524001"/>
+            <a:ext cx="909631" cy="745973"/>
+          </a:xfrm>
+          <a:prstGeom prst="bentConnector3">
+            <a:avLst/>
+          </a:prstGeom>
+          <a:ln w="19050" cap="flat" cmpd="sng" algn="ctr">
+            <a:solidFill>
+              <a:schemeClr val="accent5"/>
+            </a:solidFill>
+            <a:prstDash val="solid"/>
+            <a:round/>
+            <a:headEnd type="none" w="med" len="med"/>
+            <a:tailEnd type="arrow" w="med" len="med"/>
+          </a:ln>
+        </p:spPr>
+        <p:style>
+          <a:lnRef idx="0">
+            <a:scrgbClr r="0" g="0" b="0"/>
+          </a:lnRef>
+          <a:fillRef idx="0">
+            <a:scrgbClr r="0" g="0" b="0"/>
+          </a:fillRef>
+          <a:effectRef idx="0">
+            <a:scrgbClr r="0" g="0" b="0"/>
+          </a:effectRef>
+          <a:fontRef idx="minor">
+            <a:schemeClr val="tx1"/>
+          </a:fontRef>
+        </p:style>
+      </p:cxnSp>
+      <p:sp>
+        <p:nvSpPr>
+          <p:cNvPr id="46" name="TextBox 45">
+            <a:extLst>
+              <a:ext uri="{FF2B5EF4-FFF2-40B4-BE49-F238E27FC236}">
+                <a16:creationId xmlns:a16="http://schemas.microsoft.com/office/drawing/2014/main" id="{3BF14E31-849F-C3EB-9CDD-5E723CB2532F}"/>
+              </a:ext>
+            </a:extLst>
+          </p:cNvPr>
+          <p:cNvSpPr txBox="1"/>
+          <p:nvPr/>
+        </p:nvSpPr>
+        <p:spPr>
+          <a:xfrm>
+            <a:off x="8258470" y="2046662"/>
+            <a:ext cx="806631" cy="369332"/>
+          </a:xfrm>
+          <a:prstGeom prst="rect">
+            <a:avLst/>
+          </a:prstGeom>
+          <a:noFill/>
+        </p:spPr>
+        <p:txBody>
+          <a:bodyPr wrap="none" rtlCol="0">
+            <a:spAutoFit/>
+          </a:bodyPr>
+          <a:lstStyle/>
+          <a:p>
+            <a:r>
+              <a:rPr lang="th-TH" dirty="0"/>
+              <a:t>เรียงลำดับ</a:t>
+            </a:r>
+            <a:endParaRPr lang="en-US" dirty="0"/>
+          </a:p>
+        </p:txBody>
+      </p:sp>
+      <p:cxnSp>
+        <p:nvCxnSpPr>
+          <p:cNvPr id="48" name="Connector: Elbow 47">
+            <a:extLst>
+              <a:ext uri="{FF2B5EF4-FFF2-40B4-BE49-F238E27FC236}">
+                <a16:creationId xmlns:a16="http://schemas.microsoft.com/office/drawing/2014/main" id="{1D08A2AA-098D-4AB2-5537-00BE229029EC}"/>
+              </a:ext>
+            </a:extLst>
+          </p:cNvPr>
+          <p:cNvCxnSpPr>
+            <a:cxnSpLocks/>
+            <a:endCxn id="49" idx="3"/>
+          </p:cNvCxnSpPr>
+          <p:nvPr/>
+        </p:nvCxnSpPr>
+        <p:spPr>
+          <a:xfrm rot="10800000" flipV="1">
+            <a:off x="1883826" y="1098409"/>
+            <a:ext cx="4160679" cy="1248370"/>
+          </a:xfrm>
+          <a:prstGeom prst="bentConnector3">
+            <a:avLst>
+              <a:gd name="adj1" fmla="val 38325"/>
+            </a:avLst>
+          </a:prstGeom>
+          <a:ln w="19050" cap="flat" cmpd="sng" algn="ctr">
+            <a:solidFill>
+              <a:schemeClr val="accent5"/>
+            </a:solidFill>
+            <a:prstDash val="solid"/>
+            <a:round/>
+            <a:headEnd type="none" w="med" len="med"/>
+            <a:tailEnd type="arrow" w="med" len="med"/>
+          </a:ln>
+        </p:spPr>
+        <p:style>
+          <a:lnRef idx="0">
+            <a:scrgbClr r="0" g="0" b="0"/>
+          </a:lnRef>
+          <a:fillRef idx="0">
+            <a:scrgbClr r="0" g="0" b="0"/>
+          </a:fillRef>
+          <a:effectRef idx="0">
+            <a:scrgbClr r="0" g="0" b="0"/>
+          </a:effectRef>
+          <a:fontRef idx="minor">
+            <a:schemeClr val="tx1"/>
+          </a:fontRef>
+        </p:style>
+      </p:cxnSp>
+      <p:sp>
+        <p:nvSpPr>
+          <p:cNvPr id="49" name="TextBox 48">
+            <a:extLst>
+              <a:ext uri="{FF2B5EF4-FFF2-40B4-BE49-F238E27FC236}">
+                <a16:creationId xmlns:a16="http://schemas.microsoft.com/office/drawing/2014/main" id="{E1E6782C-97ED-D04E-E910-F4D2FC3924DD}"/>
+              </a:ext>
+            </a:extLst>
+          </p:cNvPr>
+          <p:cNvSpPr txBox="1"/>
+          <p:nvPr/>
+        </p:nvSpPr>
+        <p:spPr>
+          <a:xfrm>
+            <a:off x="217984" y="2146724"/>
+            <a:ext cx="1665841" cy="400110"/>
+          </a:xfrm>
+          <a:prstGeom prst="rect">
+            <a:avLst/>
+          </a:prstGeom>
+          <a:noFill/>
+        </p:spPr>
+        <p:txBody>
+          <a:bodyPr wrap="none" rtlCol="0">
+            <a:spAutoFit/>
+          </a:bodyPr>
+          <a:lstStyle/>
+          <a:p>
+            <a:r>
+              <a:rPr lang="th-TH" sz="2000" dirty="0">
+                <a:solidFill>
+                  <a:schemeClr val="bg1"/>
+                </a:solidFill>
+              </a:rPr>
+              <a:t>เพิ่มโปรดักหรือสินค้า</a:t>
+            </a:r>
+            <a:endParaRPr lang="en-US" sz="2000" dirty="0">
+              <a:solidFill>
+                <a:schemeClr val="bg1"/>
+              </a:solidFill>
+            </a:endParaRPr>
+          </a:p>
+        </p:txBody>
+      </p:sp>
+      <p:cxnSp>
+        <p:nvCxnSpPr>
+          <p:cNvPr id="59" name="Connector: Elbow 58">
+            <a:extLst>
+              <a:ext uri="{FF2B5EF4-FFF2-40B4-BE49-F238E27FC236}">
+                <a16:creationId xmlns:a16="http://schemas.microsoft.com/office/drawing/2014/main" id="{2B4A4DD3-9738-7517-20F2-CA2A5D9BDCA2}"/>
+              </a:ext>
+            </a:extLst>
+          </p:cNvPr>
+          <p:cNvCxnSpPr/>
+          <p:nvPr/>
+        </p:nvCxnSpPr>
+        <p:spPr>
+          <a:xfrm rot="10800000" flipV="1">
+            <a:off x="2238376" y="1230392"/>
+            <a:ext cx="4772025" cy="3093958"/>
+          </a:xfrm>
+          <a:prstGeom prst="bentConnector3">
+            <a:avLst>
+              <a:gd name="adj1" fmla="val -100"/>
+            </a:avLst>
+          </a:prstGeom>
+          <a:ln w="19050" cap="flat" cmpd="sng" algn="ctr">
+            <a:solidFill>
+              <a:schemeClr val="accent5"/>
+            </a:solidFill>
+            <a:prstDash val="solid"/>
+            <a:round/>
+            <a:headEnd type="none" w="med" len="med"/>
+            <a:tailEnd type="arrow" w="med" len="med"/>
+          </a:ln>
+        </p:spPr>
+        <p:style>
+          <a:lnRef idx="0">
+            <a:scrgbClr r="0" g="0" b="0"/>
+          </a:lnRef>
+          <a:fillRef idx="0">
+            <a:scrgbClr r="0" g="0" b="0"/>
+          </a:fillRef>
+          <a:effectRef idx="0">
+            <a:scrgbClr r="0" g="0" b="0"/>
+          </a:effectRef>
+          <a:fontRef idx="minor">
+            <a:schemeClr val="tx1"/>
+          </a:fontRef>
+        </p:style>
+      </p:cxnSp>
+      <p:sp>
+        <p:nvSpPr>
+          <p:cNvPr id="61" name="TextBox 60">
+            <a:extLst>
+              <a:ext uri="{FF2B5EF4-FFF2-40B4-BE49-F238E27FC236}">
+                <a16:creationId xmlns:a16="http://schemas.microsoft.com/office/drawing/2014/main" id="{D110AF4A-9472-6BEF-BA71-76D464432CD4}"/>
+              </a:ext>
+            </a:extLst>
+          </p:cNvPr>
+          <p:cNvSpPr txBox="1"/>
+          <p:nvPr/>
+        </p:nvSpPr>
+        <p:spPr>
+          <a:xfrm>
+            <a:off x="-11422" y="4124296"/>
+            <a:ext cx="2008883" cy="707886"/>
+          </a:xfrm>
+          <a:prstGeom prst="rect">
+            <a:avLst/>
+          </a:prstGeom>
+          <a:noFill/>
+        </p:spPr>
+        <p:txBody>
+          <a:bodyPr wrap="none" rtlCol="0">
+            <a:spAutoFit/>
+          </a:bodyPr>
+          <a:lstStyle/>
+          <a:p>
+            <a:r>
+              <a:rPr lang="th-TH" sz="2000" dirty="0">
+                <a:solidFill>
+                  <a:schemeClr val="bg1"/>
+                </a:solidFill>
+              </a:rPr>
+              <a:t>แสดงประวัติข้อมูลปัจจุบัน</a:t>
+            </a:r>
+          </a:p>
+          <a:p>
+            <a:r>
+              <a:rPr lang="th-TH" sz="2000" dirty="0">
+                <a:solidFill>
+                  <a:schemeClr val="bg1"/>
+                </a:solidFill>
+              </a:rPr>
+              <a:t>และการลบแก้ไข</a:t>
+            </a:r>
+            <a:endParaRPr lang="en-US" sz="2000" dirty="0">
+              <a:solidFill>
+                <a:schemeClr val="bg1"/>
+              </a:solidFill>
+            </a:endParaRPr>
+          </a:p>
+        </p:txBody>
+      </p:sp>
+    </p:spTree>
+    <p:extLst>
+      <p:ext uri="{BB962C8B-B14F-4D97-AF65-F5344CB8AC3E}">
+        <p14:creationId xmlns:p14="http://schemas.microsoft.com/office/powerpoint/2010/main" val="3184307629"/>
+      </p:ext>
+    </p:extLst>
+  </p:cSld>
+  <p:clrMapOvr>
+    <a:masterClrMapping/>
+  </p:clrMapOvr>
+</p:sld>
+</file>
+
+<file path=ppt/slides/slide3.xml><?xml version="1.0" encoding="utf-8"?>
+<p:sld xmlns:a="http://schemas.openxmlformats.org/drawingml/2006/main" xmlns:r="http://schemas.openxmlformats.org/officeDocument/2006/relationships" xmlns:p="http://schemas.openxmlformats.org/presentationml/2006/main">
+  <p:cSld>
+    <p:bg>
+      <p:bgPr>
+        <a:solidFill>
+          <a:schemeClr val="bg2"/>
+        </a:solidFill>
+        <a:effectLst/>
+      </p:bgPr>
+    </p:bg>
+    <p:spTree>
+      <p:nvGrpSpPr>
+        <p:cNvPr id="1" name="">
+          <a:extLst>
+            <a:ext uri="{FF2B5EF4-FFF2-40B4-BE49-F238E27FC236}">
+              <a16:creationId xmlns:a16="http://schemas.microsoft.com/office/drawing/2014/main" id="{9BBC3C86-F65E-0CC0-89F4-98FC44FE4E20}"/>
+            </a:ext>
+          </a:extLst>
+        </p:cNvPr>
+        <p:cNvGrpSpPr/>
+        <p:nvPr/>
+      </p:nvGrpSpPr>
+      <p:grpSpPr>
+        <a:xfrm>
+          <a:off x="0" y="0"/>
+          <a:ext cx="0" cy="0"/>
+          <a:chOff x="0" y="0"/>
+          <a:chExt cx="0" cy="0"/>
+        </a:xfrm>
+      </p:grpSpPr>
+      <p:sp useBgFill="1">
+        <p:nvSpPr>
+          <p:cNvPr id="9" name="Background Fill">
+            <a:extLst>
+              <a:ext uri="{FF2B5EF4-FFF2-40B4-BE49-F238E27FC236}">
+                <a16:creationId xmlns:a16="http://schemas.microsoft.com/office/drawing/2014/main" id="{C8D26B6B-9DD7-A39E-A3A6-080D3B96ACFC}"/>
+              </a:ext>
+              <a:ext uri="{C183D7F6-B498-43B3-948B-1728B52AA6E4}">
+                <adec:decorative xmlns:adec="http://schemas.microsoft.com/office/drawing/2017/decorative" val="1"/>
+              </a:ext>
+            </a:extLst>
+          </p:cNvPr>
+          <p:cNvSpPr>
+            <a:spLocks noGrp="1" noRot="1" noChangeAspect="1" noMove="1" noResize="1" noEditPoints="1" noAdjustHandles="1" noChangeArrowheads="1" noChangeShapeType="1" noTextEdit="1"/>
+          </p:cNvSpPr>
+          <p:nvPr>
+            <p:extLst>
+              <p:ext uri="{386F3935-93C4-4BCD-93E2-E3B085C9AB24}">
+                <p16:designElem xmlns:p16="http://schemas.microsoft.com/office/powerpoint/2015/main" val="1"/>
+              </p:ext>
+            </p:extLst>
+          </p:nvPr>
+        </p:nvSpPr>
+        <p:spPr>
+          <a:xfrm>
+            <a:off x="0" y="0"/>
+            <a:ext cx="12188952" cy="6858000"/>
+          </a:xfrm>
+          <a:prstGeom prst="rect">
+            <a:avLst/>
+          </a:prstGeom>
+          <a:ln>
+            <a:noFill/>
+          </a:ln>
+        </p:spPr>
+        <p:style>
+          <a:lnRef idx="2">
+            <a:schemeClr val="accent1">
+              <a:shade val="50000"/>
+            </a:schemeClr>
+          </a:lnRef>
+          <a:fillRef idx="1">
+            <a:schemeClr val="accent1"/>
+          </a:fillRef>
+          <a:effectRef idx="0">
+            <a:schemeClr val="accent1"/>
+          </a:effectRef>
+          <a:fontRef idx="minor">
+            <a:schemeClr val="lt1"/>
+          </a:fontRef>
+        </p:style>
+        <p:txBody>
+          <a:bodyPr rtlCol="0" anchor="ctr"/>
+          <a:lstStyle/>
+          <a:p>
+            <a:pPr algn="ctr"/>
+            <a:endParaRPr lang="en-US"/>
+          </a:p>
+        </p:txBody>
+      </p:sp>
+      <p:sp>
+        <p:nvSpPr>
+          <p:cNvPr id="11" name="Rectangle 10">
+            <a:extLst>
+              <a:ext uri="{FF2B5EF4-FFF2-40B4-BE49-F238E27FC236}">
+                <a16:creationId xmlns:a16="http://schemas.microsoft.com/office/drawing/2014/main" id="{F012D440-32A2-FC81-79C5-69861B578DBA}"/>
+              </a:ext>
+              <a:ext uri="{C183D7F6-B498-43B3-948B-1728B52AA6E4}">
+                <adec:decorative xmlns:adec="http://schemas.microsoft.com/office/drawing/2017/decorative" val="1"/>
+              </a:ext>
+            </a:extLst>
+          </p:cNvPr>
+          <p:cNvSpPr>
+            <a:spLocks noGrp="1" noRot="1" noChangeAspect="1" noMove="1" noResize="1" noEditPoints="1" noAdjustHandles="1" noChangeArrowheads="1" noChangeShapeType="1" noTextEdit="1"/>
+          </p:cNvSpPr>
+          <p:nvPr>
+            <p:extLst>
+              <p:ext uri="{386F3935-93C4-4BCD-93E2-E3B085C9AB24}">
+                <p16:designElem xmlns:p16="http://schemas.microsoft.com/office/powerpoint/2015/main" val="1"/>
+              </p:ext>
+            </p:extLst>
+          </p:nvPr>
+        </p:nvSpPr>
+        <p:spPr>
+          <a:xfrm>
+            <a:off x="0" y="0"/>
+            <a:ext cx="12192001" cy="6858000"/>
+          </a:xfrm>
+          <a:prstGeom prst="rect">
+            <a:avLst/>
+          </a:prstGeom>
+          <a:solidFill>
+            <a:srgbClr val="AEAEAE">
+              <a:alpha val="10000"/>
+            </a:srgbClr>
+          </a:solidFill>
+          <a:ln>
+            <a:noFill/>
+          </a:ln>
+        </p:spPr>
+        <p:style>
+          <a:lnRef idx="2">
+            <a:schemeClr val="accent1">
+              <a:shade val="50000"/>
+            </a:schemeClr>
+          </a:lnRef>
+          <a:fillRef idx="1">
+            <a:schemeClr val="accent1"/>
+          </a:fillRef>
+          <a:effectRef idx="0">
+            <a:schemeClr val="accent1"/>
+          </a:effectRef>
+          <a:fontRef idx="minor">
+            <a:schemeClr val="lt1"/>
+          </a:fontRef>
+        </p:style>
+        <p:txBody>
+          <a:bodyPr rtlCol="0" anchor="ctr"/>
+          <a:lstStyle/>
+          <a:p>
+            <a:pPr algn="ctr"/>
+            <a:endParaRPr lang="en-US" dirty="0"/>
+          </a:p>
+        </p:txBody>
+      </p:sp>
+      <p:pic>
+        <p:nvPicPr>
+          <p:cNvPr id="4" name="Picture 3" descr="Colored pencils inside a pencil holder which is on top of a wood table">
+            <a:extLst>
+              <a:ext uri="{FF2B5EF4-FFF2-40B4-BE49-F238E27FC236}">
+                <a16:creationId xmlns:a16="http://schemas.microsoft.com/office/drawing/2014/main" id="{AB17F96D-2A5F-171D-AFF6-13AFAE1876AB}"/>
+              </a:ext>
+            </a:extLst>
+          </p:cNvPr>
+          <p:cNvPicPr>
+            <a:picLocks noChangeAspect="1"/>
+          </p:cNvPicPr>
+          <p:nvPr/>
+        </p:nvPicPr>
+        <p:blipFill>
+          <a:blip r:embed="rId2"/>
+          <a:srcRect l="44418" r="-1" b="-1"/>
+          <a:stretch/>
+        </p:blipFill>
+        <p:spPr>
+          <a:xfrm>
+            <a:off x="20" y="10"/>
+            <a:ext cx="5710632" cy="6857990"/>
+          </a:xfrm>
+          <a:custGeom>
+            <a:avLst/>
+            <a:gdLst/>
+            <a:ahLst/>
+            <a:cxnLst/>
+            <a:rect l="l" t="t" r="r" b="b"/>
+            <a:pathLst>
+              <a:path w="5710652" h="6858000">
+                <a:moveTo>
+                  <a:pt x="4831301" y="0"/>
+                </a:moveTo>
+                <a:lnTo>
+                  <a:pt x="5696109" y="0"/>
+                </a:lnTo>
+                <a:lnTo>
+                  <a:pt x="5706418" y="42969"/>
+                </a:lnTo>
+                <a:cubicBezTo>
+                  <a:pt x="5714414" y="100391"/>
+                  <a:pt x="5711283" y="160329"/>
+                  <a:pt x="5695333" y="219852"/>
+                </a:cubicBezTo>
+                <a:cubicBezTo>
+                  <a:pt x="5631536" y="457945"/>
+                  <a:pt x="5386806" y="599240"/>
+                  <a:pt x="5148712" y="535443"/>
+                </a:cubicBezTo>
+                <a:cubicBezTo>
+                  <a:pt x="4940381" y="479621"/>
+                  <a:pt x="4806160" y="285271"/>
+                  <a:pt x="4818599" y="78052"/>
+                </a:cubicBezTo>
+                <a:close/>
+                <a:moveTo>
+                  <a:pt x="0" y="0"/>
+                </a:moveTo>
+                <a:lnTo>
+                  <a:pt x="545808" y="0"/>
+                </a:lnTo>
+                <a:lnTo>
+                  <a:pt x="4212872" y="0"/>
+                </a:lnTo>
+                <a:lnTo>
+                  <a:pt x="4204748" y="184996"/>
+                </a:lnTo>
+                <a:cubicBezTo>
+                  <a:pt x="4203390" y="263520"/>
+                  <a:pt x="4204263" y="341910"/>
+                  <a:pt x="4207775" y="419995"/>
+                </a:cubicBezTo>
+                <a:cubicBezTo>
+                  <a:pt x="4220964" y="709488"/>
+                  <a:pt x="4449625" y="891535"/>
+                  <a:pt x="4655737" y="1068099"/>
+                </a:cubicBezTo>
+                <a:cubicBezTo>
+                  <a:pt x="5169527" y="1508061"/>
+                  <a:pt x="5344373" y="2032158"/>
+                  <a:pt x="5103604" y="2589405"/>
+                </a:cubicBezTo>
+                <a:cubicBezTo>
+                  <a:pt x="5010230" y="2805523"/>
+                  <a:pt x="4828675" y="2993264"/>
+                  <a:pt x="4657611" y="3164269"/>
+                </a:cubicBezTo>
+                <a:cubicBezTo>
+                  <a:pt x="4198817" y="3622744"/>
+                  <a:pt x="4217616" y="4154456"/>
+                  <a:pt x="4499219" y="4641255"/>
+                </a:cubicBezTo>
+                <a:cubicBezTo>
+                  <a:pt x="4699839" y="4986832"/>
+                  <a:pt x="4940395" y="5311556"/>
+                  <a:pt x="5110950" y="5670858"/>
+                </a:cubicBezTo>
+                <a:cubicBezTo>
+                  <a:pt x="5277001" y="6019042"/>
+                  <a:pt x="5375520" y="6366409"/>
+                  <a:pt x="5396522" y="6707670"/>
+                </a:cubicBezTo>
+                <a:lnTo>
+                  <a:pt x="5398895" y="6858000"/>
+                </a:lnTo>
+                <a:lnTo>
+                  <a:pt x="0" y="6858000"/>
+                </a:lnTo>
+                <a:close/>
+              </a:path>
+            </a:pathLst>
+          </a:custGeom>
+        </p:spPr>
+      </p:pic>
+      <p:sp>
+        <p:nvSpPr>
+          <p:cNvPr id="7" name="TextBox 6">
+            <a:extLst>
+              <a:ext uri="{FF2B5EF4-FFF2-40B4-BE49-F238E27FC236}">
+                <a16:creationId xmlns:a16="http://schemas.microsoft.com/office/drawing/2014/main" id="{B5CB252F-C820-B798-3FD1-793CDCB0F9B4}"/>
+              </a:ext>
+            </a:extLst>
+          </p:cNvPr>
+          <p:cNvSpPr txBox="1"/>
+          <p:nvPr/>
+        </p:nvSpPr>
+        <p:spPr>
+          <a:xfrm>
+            <a:off x="10024446" y="6273225"/>
+            <a:ext cx="2639994" cy="584775"/>
+          </a:xfrm>
+          <a:prstGeom prst="rect">
+            <a:avLst/>
+          </a:prstGeom>
+          <a:noFill/>
+        </p:spPr>
+        <p:txBody>
+          <a:bodyPr wrap="square" rtlCol="0">
+            <a:spAutoFit/>
+          </a:bodyPr>
+          <a:lstStyle/>
+          <a:p>
+            <a:pPr algn="ctr"/>
+            <a:r>
+              <a:rPr lang="th-TH" sz="1600" dirty="0"/>
+              <a:t>65313143</a:t>
+            </a:r>
+          </a:p>
+          <a:p>
+            <a:pPr algn="ctr"/>
+            <a:r>
+              <a:rPr lang="th-TH" sz="1600" dirty="0"/>
+              <a:t>นายเปรมิตร พรมอินทร์</a:t>
+            </a:r>
+            <a:endParaRPr lang="en-US" sz="1600" dirty="0"/>
+          </a:p>
+        </p:txBody>
+      </p:sp>
+      <p:sp>
+        <p:nvSpPr>
+          <p:cNvPr id="8" name="TextBox 7">
+            <a:extLst>
+              <a:ext uri="{FF2B5EF4-FFF2-40B4-BE49-F238E27FC236}">
+                <a16:creationId xmlns:a16="http://schemas.microsoft.com/office/drawing/2014/main" id="{B1958F8F-E7D0-8573-6312-B3BBDEC1AC8D}"/>
+              </a:ext>
+            </a:extLst>
+          </p:cNvPr>
+          <p:cNvSpPr txBox="1"/>
+          <p:nvPr/>
+        </p:nvSpPr>
+        <p:spPr>
+          <a:xfrm>
+            <a:off x="8070462" y="0"/>
+            <a:ext cx="3302507" cy="646331"/>
+          </a:xfrm>
+          <a:prstGeom prst="rect">
+            <a:avLst/>
+          </a:prstGeom>
+          <a:noFill/>
+        </p:spPr>
+        <p:txBody>
+          <a:bodyPr wrap="none" rtlCol="0">
+            <a:spAutoFit/>
+          </a:bodyPr>
+          <a:lstStyle/>
+          <a:p>
+            <a:r>
+              <a:rPr lang="th-TH" sz="3600" dirty="0"/>
+              <a:t>งานแสดงสินค้านานาชาติ</a:t>
+            </a:r>
+            <a:endParaRPr lang="en-US" sz="3600" dirty="0"/>
+          </a:p>
+        </p:txBody>
+      </p:sp>
+      <p:pic>
+        <p:nvPicPr>
+          <p:cNvPr id="3" name="Picture 2">
+            <a:extLst>
+              <a:ext uri="{FF2B5EF4-FFF2-40B4-BE49-F238E27FC236}">
+                <a16:creationId xmlns:a16="http://schemas.microsoft.com/office/drawing/2014/main" id="{E50A9096-3173-FE5C-9AB8-75FD02D506B8}"/>
+              </a:ext>
+            </a:extLst>
+          </p:cNvPr>
+          <p:cNvPicPr>
+            <a:picLocks noChangeAspect="1"/>
+          </p:cNvPicPr>
+          <p:nvPr/>
+        </p:nvPicPr>
+        <p:blipFill>
+          <a:blip r:embed="rId3"/>
+          <a:stretch>
+            <a:fillRect/>
+          </a:stretch>
+        </p:blipFill>
+        <p:spPr>
+          <a:xfrm>
+            <a:off x="4471199" y="195267"/>
+            <a:ext cx="2783280" cy="6467465"/>
+          </a:xfrm>
+          <a:prstGeom prst="rect">
+            <a:avLst/>
+          </a:prstGeom>
+        </p:spPr>
+      </p:pic>
+      <p:cxnSp>
+        <p:nvCxnSpPr>
+          <p:cNvPr id="6" name="Straight Arrow Connector 5">
+            <a:extLst>
+              <a:ext uri="{FF2B5EF4-FFF2-40B4-BE49-F238E27FC236}">
+                <a16:creationId xmlns:a16="http://schemas.microsoft.com/office/drawing/2014/main" id="{A9E3B79F-723E-7993-8831-BA0F8439246A}"/>
+              </a:ext>
+            </a:extLst>
+          </p:cNvPr>
+          <p:cNvCxnSpPr/>
+          <p:nvPr/>
+        </p:nvCxnSpPr>
+        <p:spPr>
+          <a:xfrm>
+            <a:off x="6848475" y="2133600"/>
+            <a:ext cx="1724025" cy="0"/>
+          </a:xfrm>
+          <a:prstGeom prst="straightConnector1">
+            <a:avLst/>
+          </a:prstGeom>
+          <a:ln w="19050" cap="flat" cmpd="sng" algn="ctr">
+            <a:solidFill>
+              <a:schemeClr val="accent5"/>
+            </a:solidFill>
+            <a:prstDash val="solid"/>
+            <a:round/>
+            <a:headEnd type="none" w="med" len="med"/>
+            <a:tailEnd type="arrow" w="med" len="med"/>
+          </a:ln>
+        </p:spPr>
+        <p:style>
+          <a:lnRef idx="0">
+            <a:scrgbClr r="0" g="0" b="0"/>
+          </a:lnRef>
+          <a:fillRef idx="0">
+            <a:scrgbClr r="0" g="0" b="0"/>
+          </a:fillRef>
+          <a:effectRef idx="0">
+            <a:scrgbClr r="0" g="0" b="0"/>
+          </a:effectRef>
+          <a:fontRef idx="minor">
+            <a:schemeClr val="tx1"/>
+          </a:fontRef>
+        </p:style>
+      </p:cxnSp>
+      <p:sp>
+        <p:nvSpPr>
+          <p:cNvPr id="12" name="TextBox 11">
+            <a:extLst>
+              <a:ext uri="{FF2B5EF4-FFF2-40B4-BE49-F238E27FC236}">
+                <a16:creationId xmlns:a16="http://schemas.microsoft.com/office/drawing/2014/main" id="{BEFF0C6A-68BB-8455-C888-4D9F6ACD9497}"/>
+              </a:ext>
+            </a:extLst>
+          </p:cNvPr>
+          <p:cNvSpPr txBox="1"/>
+          <p:nvPr/>
+        </p:nvSpPr>
+        <p:spPr>
+          <a:xfrm>
+            <a:off x="8686800" y="1948934"/>
+            <a:ext cx="1220206" cy="369332"/>
+          </a:xfrm>
+          <a:prstGeom prst="rect">
+            <a:avLst/>
+          </a:prstGeom>
+          <a:noFill/>
+        </p:spPr>
+        <p:txBody>
+          <a:bodyPr wrap="none" rtlCol="0">
+            <a:spAutoFit/>
+          </a:bodyPr>
+          <a:lstStyle/>
+          <a:p>
+            <a:r>
+              <a:rPr lang="th-TH" dirty="0"/>
+              <a:t>วันเริ่มและวันจบ</a:t>
+            </a:r>
+            <a:endParaRPr lang="en-US" dirty="0"/>
+          </a:p>
+        </p:txBody>
+      </p:sp>
+      <p:cxnSp>
+        <p:nvCxnSpPr>
+          <p:cNvPr id="14" name="Straight Arrow Connector 13">
+            <a:extLst>
+              <a:ext uri="{FF2B5EF4-FFF2-40B4-BE49-F238E27FC236}">
+                <a16:creationId xmlns:a16="http://schemas.microsoft.com/office/drawing/2014/main" id="{6D5EC87A-D676-466E-6B7D-6DFD25B9DCD9}"/>
+              </a:ext>
+            </a:extLst>
+          </p:cNvPr>
+          <p:cNvCxnSpPr/>
+          <p:nvPr/>
+        </p:nvCxnSpPr>
+        <p:spPr>
+          <a:xfrm>
+            <a:off x="6845426" y="2657475"/>
+            <a:ext cx="1727074" cy="0"/>
+          </a:xfrm>
+          <a:prstGeom prst="straightConnector1">
+            <a:avLst/>
+          </a:prstGeom>
+          <a:ln w="19050" cap="flat" cmpd="sng" algn="ctr">
+            <a:solidFill>
+              <a:schemeClr val="accent5"/>
+            </a:solidFill>
+            <a:prstDash val="solid"/>
+            <a:round/>
+            <a:headEnd type="none" w="med" len="med"/>
+            <a:tailEnd type="arrow" w="med" len="med"/>
+          </a:ln>
+        </p:spPr>
+        <p:style>
+          <a:lnRef idx="0">
+            <a:scrgbClr r="0" g="0" b="0"/>
+          </a:lnRef>
+          <a:fillRef idx="0">
+            <a:scrgbClr r="0" g="0" b="0"/>
+          </a:fillRef>
+          <a:effectRef idx="0">
+            <a:scrgbClr r="0" g="0" b="0"/>
+          </a:effectRef>
+          <a:fontRef idx="minor">
+            <a:schemeClr val="tx1"/>
+          </a:fontRef>
+        </p:style>
+      </p:cxnSp>
+      <p:sp>
+        <p:nvSpPr>
+          <p:cNvPr id="15" name="TextBox 14">
+            <a:extLst>
+              <a:ext uri="{FF2B5EF4-FFF2-40B4-BE49-F238E27FC236}">
+                <a16:creationId xmlns:a16="http://schemas.microsoft.com/office/drawing/2014/main" id="{A31B18C5-DB71-001D-A52E-83A6DF18272E}"/>
+              </a:ext>
+            </a:extLst>
+          </p:cNvPr>
+          <p:cNvSpPr txBox="1"/>
+          <p:nvPr/>
+        </p:nvSpPr>
+        <p:spPr>
+          <a:xfrm>
+            <a:off x="8708784" y="2472809"/>
+            <a:ext cx="708848" cy="369332"/>
+          </a:xfrm>
+          <a:prstGeom prst="rect">
+            <a:avLst/>
+          </a:prstGeom>
+          <a:noFill/>
+        </p:spPr>
+        <p:txBody>
+          <a:bodyPr wrap="none" rtlCol="0">
+            <a:spAutoFit/>
+          </a:bodyPr>
+          <a:lstStyle/>
+          <a:p>
+            <a:r>
+              <a:rPr lang="th-TH" dirty="0"/>
+              <a:t>ชื่อธุรกิจ</a:t>
+            </a:r>
+            <a:endParaRPr lang="en-US" dirty="0"/>
+          </a:p>
+        </p:txBody>
+      </p:sp>
+      <p:cxnSp>
+        <p:nvCxnSpPr>
+          <p:cNvPr id="16" name="Straight Arrow Connector 15">
+            <a:extLst>
+              <a:ext uri="{FF2B5EF4-FFF2-40B4-BE49-F238E27FC236}">
+                <a16:creationId xmlns:a16="http://schemas.microsoft.com/office/drawing/2014/main" id="{CC15BA09-55E2-5FC5-823A-D6AF295D7600}"/>
+              </a:ext>
+            </a:extLst>
+          </p:cNvPr>
+          <p:cNvCxnSpPr/>
+          <p:nvPr/>
+        </p:nvCxnSpPr>
+        <p:spPr>
+          <a:xfrm>
+            <a:off x="6848475" y="3152775"/>
+            <a:ext cx="1727074" cy="0"/>
+          </a:xfrm>
+          <a:prstGeom prst="straightConnector1">
+            <a:avLst/>
+          </a:prstGeom>
+          <a:ln w="19050" cap="flat" cmpd="sng" algn="ctr">
+            <a:solidFill>
+              <a:schemeClr val="accent5"/>
+            </a:solidFill>
+            <a:prstDash val="solid"/>
+            <a:round/>
+            <a:headEnd type="none" w="med" len="med"/>
+            <a:tailEnd type="arrow" w="med" len="med"/>
+          </a:ln>
+        </p:spPr>
+        <p:style>
+          <a:lnRef idx="0">
+            <a:scrgbClr r="0" g="0" b="0"/>
+          </a:lnRef>
+          <a:fillRef idx="0">
+            <a:scrgbClr r="0" g="0" b="0"/>
+          </a:fillRef>
+          <a:effectRef idx="0">
+            <a:scrgbClr r="0" g="0" b="0"/>
+          </a:effectRef>
+          <a:fontRef idx="minor">
+            <a:schemeClr val="tx1"/>
+          </a:fontRef>
+        </p:style>
+      </p:cxnSp>
+      <p:sp>
+        <p:nvSpPr>
+          <p:cNvPr id="17" name="TextBox 16">
+            <a:extLst>
+              <a:ext uri="{FF2B5EF4-FFF2-40B4-BE49-F238E27FC236}">
+                <a16:creationId xmlns:a16="http://schemas.microsoft.com/office/drawing/2014/main" id="{43F3E8AD-0034-5888-8687-D75089517DA0}"/>
+              </a:ext>
+            </a:extLst>
+          </p:cNvPr>
+          <p:cNvSpPr txBox="1"/>
+          <p:nvPr/>
+        </p:nvSpPr>
+        <p:spPr>
+          <a:xfrm>
+            <a:off x="8699948" y="2968109"/>
+            <a:ext cx="689612" cy="369332"/>
+          </a:xfrm>
+          <a:prstGeom prst="rect">
+            <a:avLst/>
+          </a:prstGeom>
+          <a:noFill/>
+        </p:spPr>
+        <p:txBody>
+          <a:bodyPr wrap="none" rtlCol="0">
+            <a:spAutoFit/>
+          </a:bodyPr>
+          <a:lstStyle/>
+          <a:p>
+            <a:r>
+              <a:rPr lang="th-TH" dirty="0"/>
+              <a:t>ประเภท</a:t>
+            </a:r>
+            <a:endParaRPr lang="en-US" dirty="0"/>
+          </a:p>
+        </p:txBody>
+      </p:sp>
+      <p:cxnSp>
+        <p:nvCxnSpPr>
+          <p:cNvPr id="18" name="Straight Arrow Connector 17">
+            <a:extLst>
+              <a:ext uri="{FF2B5EF4-FFF2-40B4-BE49-F238E27FC236}">
+                <a16:creationId xmlns:a16="http://schemas.microsoft.com/office/drawing/2014/main" id="{E685E8C8-C452-DC6C-2FE0-116D4D30B79C}"/>
+              </a:ext>
+            </a:extLst>
+          </p:cNvPr>
+          <p:cNvCxnSpPr/>
+          <p:nvPr/>
+        </p:nvCxnSpPr>
+        <p:spPr>
+          <a:xfrm>
+            <a:off x="6845426" y="3638550"/>
+            <a:ext cx="1727074" cy="0"/>
+          </a:xfrm>
+          <a:prstGeom prst="straightConnector1">
+            <a:avLst/>
+          </a:prstGeom>
+          <a:ln w="19050" cap="flat" cmpd="sng" algn="ctr">
+            <a:solidFill>
+              <a:schemeClr val="accent5"/>
+            </a:solidFill>
+            <a:prstDash val="solid"/>
+            <a:round/>
+            <a:headEnd type="none" w="med" len="med"/>
+            <a:tailEnd type="arrow" w="med" len="med"/>
+          </a:ln>
+        </p:spPr>
+        <p:style>
+          <a:lnRef idx="0">
+            <a:scrgbClr r="0" g="0" b="0"/>
+          </a:lnRef>
+          <a:fillRef idx="0">
+            <a:scrgbClr r="0" g="0" b="0"/>
+          </a:fillRef>
+          <a:effectRef idx="0">
+            <a:scrgbClr r="0" g="0" b="0"/>
+          </a:effectRef>
+          <a:fontRef idx="minor">
+            <a:schemeClr val="tx1"/>
+          </a:fontRef>
+        </p:style>
+      </p:cxnSp>
+      <p:sp>
+        <p:nvSpPr>
+          <p:cNvPr id="19" name="TextBox 18">
+            <a:extLst>
+              <a:ext uri="{FF2B5EF4-FFF2-40B4-BE49-F238E27FC236}">
+                <a16:creationId xmlns:a16="http://schemas.microsoft.com/office/drawing/2014/main" id="{F2434B3B-1CA8-4B7D-6D04-B1CEEDBEEBE1}"/>
+              </a:ext>
+            </a:extLst>
+          </p:cNvPr>
+          <p:cNvSpPr txBox="1"/>
+          <p:nvPr/>
+        </p:nvSpPr>
+        <p:spPr>
+          <a:xfrm>
+            <a:off x="8676899" y="3436203"/>
+            <a:ext cx="1250663" cy="369332"/>
+          </a:xfrm>
+          <a:prstGeom prst="rect">
+            <a:avLst/>
+          </a:prstGeom>
+          <a:noFill/>
+        </p:spPr>
+        <p:txBody>
+          <a:bodyPr wrap="none" rtlCol="0">
+            <a:spAutoFit/>
+          </a:bodyPr>
+          <a:lstStyle/>
+          <a:p>
+            <a:r>
+              <a:rPr lang="th-TH" dirty="0"/>
+              <a:t>รูปแบบการแสดง</a:t>
+            </a:r>
+            <a:endParaRPr lang="en-US" dirty="0"/>
+          </a:p>
+        </p:txBody>
+      </p:sp>
+      <p:sp>
+        <p:nvSpPr>
+          <p:cNvPr id="20" name="TextBox 19">
+            <a:extLst>
+              <a:ext uri="{FF2B5EF4-FFF2-40B4-BE49-F238E27FC236}">
+                <a16:creationId xmlns:a16="http://schemas.microsoft.com/office/drawing/2014/main" id="{984CF21C-D6CD-8748-D428-D0CCBFDC72B4}"/>
+              </a:ext>
+            </a:extLst>
+          </p:cNvPr>
+          <p:cNvSpPr txBox="1"/>
+          <p:nvPr/>
+        </p:nvSpPr>
+        <p:spPr>
+          <a:xfrm>
+            <a:off x="8708784" y="3931503"/>
+            <a:ext cx="747320" cy="369332"/>
+          </a:xfrm>
+          <a:prstGeom prst="rect">
+            <a:avLst/>
+          </a:prstGeom>
+          <a:noFill/>
+        </p:spPr>
+        <p:txBody>
+          <a:bodyPr wrap="none" rtlCol="0">
+            <a:spAutoFit/>
+          </a:bodyPr>
+          <a:lstStyle/>
+          <a:p>
+            <a:r>
+              <a:rPr lang="th-TH" dirty="0"/>
+              <a:t>รายการที่</a:t>
+            </a:r>
+            <a:endParaRPr lang="en-US" dirty="0"/>
+          </a:p>
+        </p:txBody>
+      </p:sp>
+      <p:cxnSp>
+        <p:nvCxnSpPr>
+          <p:cNvPr id="21" name="Straight Arrow Connector 20">
+            <a:extLst>
+              <a:ext uri="{FF2B5EF4-FFF2-40B4-BE49-F238E27FC236}">
+                <a16:creationId xmlns:a16="http://schemas.microsoft.com/office/drawing/2014/main" id="{A0535D4E-F9AB-5909-7188-BD2AE69D49F2}"/>
+              </a:ext>
+            </a:extLst>
+          </p:cNvPr>
+          <p:cNvCxnSpPr/>
+          <p:nvPr/>
+        </p:nvCxnSpPr>
+        <p:spPr>
+          <a:xfrm>
+            <a:off x="6845426" y="4125694"/>
+            <a:ext cx="1727074" cy="0"/>
+          </a:xfrm>
+          <a:prstGeom prst="straightConnector1">
+            <a:avLst/>
+          </a:prstGeom>
+          <a:ln w="19050" cap="flat" cmpd="sng" algn="ctr">
+            <a:solidFill>
+              <a:schemeClr val="accent5"/>
+            </a:solidFill>
+            <a:prstDash val="solid"/>
+            <a:round/>
+            <a:headEnd type="none" w="med" len="med"/>
+            <a:tailEnd type="arrow" w="med" len="med"/>
+          </a:ln>
+        </p:spPr>
+        <p:style>
+          <a:lnRef idx="0">
+            <a:scrgbClr r="0" g="0" b="0"/>
+          </a:lnRef>
+          <a:fillRef idx="0">
+            <a:scrgbClr r="0" g="0" b="0"/>
+          </a:fillRef>
+          <a:effectRef idx="0">
+            <a:scrgbClr r="0" g="0" b="0"/>
+          </a:effectRef>
+          <a:fontRef idx="minor">
+            <a:schemeClr val="tx1"/>
+          </a:fontRef>
+        </p:style>
+      </p:cxnSp>
+      <p:cxnSp>
+        <p:nvCxnSpPr>
+          <p:cNvPr id="22" name="Straight Arrow Connector 21">
+            <a:extLst>
+              <a:ext uri="{FF2B5EF4-FFF2-40B4-BE49-F238E27FC236}">
+                <a16:creationId xmlns:a16="http://schemas.microsoft.com/office/drawing/2014/main" id="{3E449592-4C41-A795-8D3E-30A4FE7F9B3D}"/>
+              </a:ext>
+            </a:extLst>
+          </p:cNvPr>
+          <p:cNvCxnSpPr>
+            <a:cxnSpLocks/>
+          </p:cNvCxnSpPr>
+          <p:nvPr/>
+        </p:nvCxnSpPr>
+        <p:spPr>
+          <a:xfrm>
+            <a:off x="5981889" y="4620994"/>
+            <a:ext cx="2590611" cy="0"/>
+          </a:xfrm>
+          <a:prstGeom prst="straightConnector1">
+            <a:avLst/>
+          </a:prstGeom>
+          <a:ln w="19050" cap="flat" cmpd="sng" algn="ctr">
+            <a:solidFill>
+              <a:schemeClr val="accent5"/>
+            </a:solidFill>
+            <a:prstDash val="solid"/>
+            <a:round/>
+            <a:headEnd type="none" w="med" len="med"/>
+            <a:tailEnd type="arrow" w="med" len="med"/>
+          </a:ln>
+        </p:spPr>
+        <p:style>
+          <a:lnRef idx="0">
+            <a:scrgbClr r="0" g="0" b="0"/>
+          </a:lnRef>
+          <a:fillRef idx="0">
+            <a:scrgbClr r="0" g="0" b="0"/>
+          </a:fillRef>
+          <a:effectRef idx="0">
+            <a:scrgbClr r="0" g="0" b="0"/>
+          </a:effectRef>
+          <a:fontRef idx="minor">
+            <a:schemeClr val="tx1"/>
+          </a:fontRef>
+        </p:style>
+      </p:cxnSp>
+      <p:sp>
+        <p:nvSpPr>
+          <p:cNvPr id="24" name="TextBox 23">
+            <a:extLst>
+              <a:ext uri="{FF2B5EF4-FFF2-40B4-BE49-F238E27FC236}">
+                <a16:creationId xmlns:a16="http://schemas.microsoft.com/office/drawing/2014/main" id="{270F0D62-EBD4-7489-5378-B271A68DAF0A}"/>
+              </a:ext>
+            </a:extLst>
+          </p:cNvPr>
+          <p:cNvSpPr txBox="1"/>
+          <p:nvPr/>
+        </p:nvSpPr>
+        <p:spPr>
+          <a:xfrm>
+            <a:off x="8706677" y="4426803"/>
+            <a:ext cx="590226" cy="369332"/>
+          </a:xfrm>
+          <a:prstGeom prst="rect">
+            <a:avLst/>
+          </a:prstGeom>
+          <a:noFill/>
+        </p:spPr>
+        <p:txBody>
+          <a:bodyPr wrap="none" rtlCol="0">
+            <a:spAutoFit/>
+          </a:bodyPr>
+          <a:lstStyle/>
+          <a:p>
+            <a:r>
+              <a:rPr lang="th-TH" dirty="0"/>
+              <a:t>บันทึก</a:t>
+            </a:r>
+            <a:endParaRPr lang="en-US" dirty="0"/>
+          </a:p>
+        </p:txBody>
+      </p:sp>
+    </p:spTree>
+    <p:extLst>
+      <p:ext uri="{BB962C8B-B14F-4D97-AF65-F5344CB8AC3E}">
+        <p14:creationId xmlns:p14="http://schemas.microsoft.com/office/powerpoint/2010/main" val="4256493169"/>
+      </p:ext>
+    </p:extLst>
+  </p:cSld>
+  <p:clrMapOvr>
+    <a:masterClrMapping/>
+  </p:clrMapOvr>
+</p:sld>
+</file>
+
+<file path=ppt/slides/slide4.xml><?xml version="1.0" encoding="utf-8"?>
+<p:sld xmlns:a="http://schemas.openxmlformats.org/drawingml/2006/main" xmlns:r="http://schemas.openxmlformats.org/officeDocument/2006/relationships" xmlns:p="http://schemas.openxmlformats.org/presentationml/2006/main">
+  <p:cSld>
+    <p:bg>
+      <p:bgPr>
+        <a:solidFill>
+          <a:schemeClr val="bg2"/>
+        </a:solidFill>
+        <a:effectLst/>
+      </p:bgPr>
+    </p:bg>
+    <p:spTree>
+      <p:nvGrpSpPr>
+        <p:cNvPr id="1" name="">
+          <a:extLst>
+            <a:ext uri="{FF2B5EF4-FFF2-40B4-BE49-F238E27FC236}">
+              <a16:creationId xmlns:a16="http://schemas.microsoft.com/office/drawing/2014/main" id="{B8BD2695-A511-6893-D3B8-03D371499D43}"/>
+            </a:ext>
+          </a:extLst>
+        </p:cNvPr>
+        <p:cNvGrpSpPr/>
+        <p:nvPr/>
+      </p:nvGrpSpPr>
+      <p:grpSpPr>
+        <a:xfrm>
+          <a:off x="0" y="0"/>
+          <a:ext cx="0" cy="0"/>
+          <a:chOff x="0" y="0"/>
+          <a:chExt cx="0" cy="0"/>
+        </a:xfrm>
+      </p:grpSpPr>
+      <p:sp useBgFill="1">
+        <p:nvSpPr>
+          <p:cNvPr id="9" name="Background Fill">
+            <a:extLst>
+              <a:ext uri="{FF2B5EF4-FFF2-40B4-BE49-F238E27FC236}">
+                <a16:creationId xmlns:a16="http://schemas.microsoft.com/office/drawing/2014/main" id="{714B0D3B-22CD-C404-FF2A-2EA8B7A5B623}"/>
+              </a:ext>
+              <a:ext uri="{C183D7F6-B498-43B3-948B-1728B52AA6E4}">
+                <adec:decorative xmlns:adec="http://schemas.microsoft.com/office/drawing/2017/decorative" val="1"/>
+              </a:ext>
+            </a:extLst>
+          </p:cNvPr>
+          <p:cNvSpPr>
+            <a:spLocks noGrp="1" noRot="1" noChangeAspect="1" noMove="1" noResize="1" noEditPoints="1" noAdjustHandles="1" noChangeArrowheads="1" noChangeShapeType="1" noTextEdit="1"/>
+          </p:cNvSpPr>
+          <p:nvPr>
+            <p:extLst>
+              <p:ext uri="{386F3935-93C4-4BCD-93E2-E3B085C9AB24}">
+                <p16:designElem xmlns:p16="http://schemas.microsoft.com/office/powerpoint/2015/main" val="1"/>
+              </p:ext>
+            </p:extLst>
+          </p:nvPr>
+        </p:nvSpPr>
+        <p:spPr>
+          <a:xfrm>
+            <a:off x="0" y="0"/>
+            <a:ext cx="12188952" cy="6858000"/>
+          </a:xfrm>
+          <a:prstGeom prst="rect">
+            <a:avLst/>
+          </a:prstGeom>
+          <a:ln>
+            <a:noFill/>
+          </a:ln>
+        </p:spPr>
+        <p:style>
+          <a:lnRef idx="2">
+            <a:schemeClr val="accent1">
+              <a:shade val="50000"/>
+            </a:schemeClr>
+          </a:lnRef>
+          <a:fillRef idx="1">
+            <a:schemeClr val="accent1"/>
+          </a:fillRef>
+          <a:effectRef idx="0">
+            <a:schemeClr val="accent1"/>
+          </a:effectRef>
+          <a:fontRef idx="minor">
+            <a:schemeClr val="lt1"/>
+          </a:fontRef>
+        </p:style>
+        <p:txBody>
+          <a:bodyPr rtlCol="0" anchor="ctr"/>
+          <a:lstStyle/>
+          <a:p>
+            <a:pPr algn="ctr"/>
+            <a:endParaRPr lang="en-US"/>
+          </a:p>
+        </p:txBody>
+      </p:sp>
+      <p:sp>
+        <p:nvSpPr>
+          <p:cNvPr id="11" name="Rectangle 10">
+            <a:extLst>
+              <a:ext uri="{FF2B5EF4-FFF2-40B4-BE49-F238E27FC236}">
+                <a16:creationId xmlns:a16="http://schemas.microsoft.com/office/drawing/2014/main" id="{43C0D873-B26F-B306-F8D6-C63678DF2047}"/>
+              </a:ext>
+              <a:ext uri="{C183D7F6-B498-43B3-948B-1728B52AA6E4}">
+                <adec:decorative xmlns:adec="http://schemas.microsoft.com/office/drawing/2017/decorative" val="1"/>
+              </a:ext>
+            </a:extLst>
+          </p:cNvPr>
+          <p:cNvSpPr>
+            <a:spLocks noGrp="1" noRot="1" noChangeAspect="1" noMove="1" noResize="1" noEditPoints="1" noAdjustHandles="1" noChangeArrowheads="1" noChangeShapeType="1" noTextEdit="1"/>
+          </p:cNvSpPr>
+          <p:nvPr>
+            <p:extLst>
+              <p:ext uri="{386F3935-93C4-4BCD-93E2-E3B085C9AB24}">
+                <p16:designElem xmlns:p16="http://schemas.microsoft.com/office/powerpoint/2015/main" val="1"/>
+              </p:ext>
+            </p:extLst>
+          </p:nvPr>
+        </p:nvSpPr>
+        <p:spPr>
+          <a:xfrm>
+            <a:off x="0" y="0"/>
+            <a:ext cx="12192001" cy="6858000"/>
+          </a:xfrm>
+          <a:prstGeom prst="rect">
+            <a:avLst/>
+          </a:prstGeom>
+          <a:solidFill>
+            <a:srgbClr val="AEAEAE">
+              <a:alpha val="10000"/>
+            </a:srgbClr>
+          </a:solidFill>
+          <a:ln>
+            <a:noFill/>
+          </a:ln>
+        </p:spPr>
+        <p:style>
+          <a:lnRef idx="2">
+            <a:schemeClr val="accent1">
+              <a:shade val="50000"/>
+            </a:schemeClr>
+          </a:lnRef>
+          <a:fillRef idx="1">
+            <a:schemeClr val="accent1"/>
+          </a:fillRef>
+          <a:effectRef idx="0">
+            <a:schemeClr val="accent1"/>
+          </a:effectRef>
+          <a:fontRef idx="minor">
+            <a:schemeClr val="lt1"/>
+          </a:fontRef>
+        </p:style>
+        <p:txBody>
+          <a:bodyPr rtlCol="0" anchor="ctr"/>
+          <a:lstStyle/>
+          <a:p>
+            <a:pPr algn="ctr"/>
+            <a:endParaRPr lang="en-US" dirty="0"/>
+          </a:p>
+        </p:txBody>
+      </p:sp>
+      <p:pic>
+        <p:nvPicPr>
+          <p:cNvPr id="4" name="Picture 3" descr="Colored pencils inside a pencil holder which is on top of a wood table">
+            <a:extLst>
+              <a:ext uri="{FF2B5EF4-FFF2-40B4-BE49-F238E27FC236}">
+                <a16:creationId xmlns:a16="http://schemas.microsoft.com/office/drawing/2014/main" id="{93AE7BE1-E838-3FFC-01E5-7A93DBE1E2EE}"/>
+              </a:ext>
+            </a:extLst>
+          </p:cNvPr>
+          <p:cNvPicPr>
+            <a:picLocks noChangeAspect="1"/>
+          </p:cNvPicPr>
+          <p:nvPr/>
+        </p:nvPicPr>
+        <p:blipFill>
+          <a:blip r:embed="rId2"/>
+          <a:srcRect l="44418" r="-1" b="-1"/>
+          <a:stretch/>
+        </p:blipFill>
+        <p:spPr>
+          <a:xfrm>
+            <a:off x="20" y="10"/>
+            <a:ext cx="5710632" cy="6857990"/>
+          </a:xfrm>
+          <a:custGeom>
+            <a:avLst/>
+            <a:gdLst/>
+            <a:ahLst/>
+            <a:cxnLst/>
+            <a:rect l="l" t="t" r="r" b="b"/>
+            <a:pathLst>
+              <a:path w="5710652" h="6858000">
+                <a:moveTo>
+                  <a:pt x="4831301" y="0"/>
+                </a:moveTo>
+                <a:lnTo>
+                  <a:pt x="5696109" y="0"/>
+                </a:lnTo>
+                <a:lnTo>
+                  <a:pt x="5706418" y="42969"/>
+                </a:lnTo>
+                <a:cubicBezTo>
+                  <a:pt x="5714414" y="100391"/>
+                  <a:pt x="5711283" y="160329"/>
+                  <a:pt x="5695333" y="219852"/>
+                </a:cubicBezTo>
+                <a:cubicBezTo>
+                  <a:pt x="5631536" y="457945"/>
+                  <a:pt x="5386806" y="599240"/>
+                  <a:pt x="5148712" y="535443"/>
+                </a:cubicBezTo>
+                <a:cubicBezTo>
+                  <a:pt x="4940381" y="479621"/>
+                  <a:pt x="4806160" y="285271"/>
+                  <a:pt x="4818599" y="78052"/>
+                </a:cubicBezTo>
+                <a:close/>
+                <a:moveTo>
+                  <a:pt x="0" y="0"/>
+                </a:moveTo>
+                <a:lnTo>
+                  <a:pt x="545808" y="0"/>
+                </a:lnTo>
+                <a:lnTo>
+                  <a:pt x="4212872" y="0"/>
+                </a:lnTo>
+                <a:lnTo>
+                  <a:pt x="4204748" y="184996"/>
+                </a:lnTo>
+                <a:cubicBezTo>
+                  <a:pt x="4203390" y="263520"/>
+                  <a:pt x="4204263" y="341910"/>
+                  <a:pt x="4207775" y="419995"/>
+                </a:cubicBezTo>
+                <a:cubicBezTo>
+                  <a:pt x="4220964" y="709488"/>
+                  <a:pt x="4449625" y="891535"/>
+                  <a:pt x="4655737" y="1068099"/>
+                </a:cubicBezTo>
+                <a:cubicBezTo>
+                  <a:pt x="5169527" y="1508061"/>
+                  <a:pt x="5344373" y="2032158"/>
+                  <a:pt x="5103604" y="2589405"/>
+                </a:cubicBezTo>
+                <a:cubicBezTo>
+                  <a:pt x="5010230" y="2805523"/>
+                  <a:pt x="4828675" y="2993264"/>
+                  <a:pt x="4657611" y="3164269"/>
+                </a:cubicBezTo>
+                <a:cubicBezTo>
+                  <a:pt x="4198817" y="3622744"/>
+                  <a:pt x="4217616" y="4154456"/>
+                  <a:pt x="4499219" y="4641255"/>
+                </a:cubicBezTo>
+                <a:cubicBezTo>
+                  <a:pt x="4699839" y="4986832"/>
+                  <a:pt x="4940395" y="5311556"/>
+                  <a:pt x="5110950" y="5670858"/>
+                </a:cubicBezTo>
+                <a:cubicBezTo>
+                  <a:pt x="5277001" y="6019042"/>
+                  <a:pt x="5375520" y="6366409"/>
+                  <a:pt x="5396522" y="6707670"/>
+                </a:cubicBezTo>
+                <a:lnTo>
+                  <a:pt x="5398895" y="6858000"/>
+                </a:lnTo>
+                <a:lnTo>
+                  <a:pt x="0" y="6858000"/>
+                </a:lnTo>
+                <a:close/>
+              </a:path>
+            </a:pathLst>
+          </a:custGeom>
+        </p:spPr>
+      </p:pic>
+      <p:sp>
+        <p:nvSpPr>
+          <p:cNvPr id="7" name="TextBox 6">
+            <a:extLst>
+              <a:ext uri="{FF2B5EF4-FFF2-40B4-BE49-F238E27FC236}">
+                <a16:creationId xmlns:a16="http://schemas.microsoft.com/office/drawing/2014/main" id="{C3EFA847-AA1A-C733-2D9F-03325EBA5DE4}"/>
+              </a:ext>
+            </a:extLst>
+          </p:cNvPr>
+          <p:cNvSpPr txBox="1"/>
+          <p:nvPr/>
+        </p:nvSpPr>
+        <p:spPr>
+          <a:xfrm>
+            <a:off x="10024446" y="6273225"/>
+            <a:ext cx="2639994" cy="584775"/>
+          </a:xfrm>
+          <a:prstGeom prst="rect">
+            <a:avLst/>
+          </a:prstGeom>
+          <a:noFill/>
+        </p:spPr>
+        <p:txBody>
+          <a:bodyPr wrap="square" rtlCol="0">
+            <a:spAutoFit/>
+          </a:bodyPr>
+          <a:lstStyle/>
+          <a:p>
+            <a:pPr algn="ctr"/>
+            <a:r>
+              <a:rPr lang="th-TH" sz="1600" dirty="0"/>
+              <a:t>65313143</a:t>
+            </a:r>
+          </a:p>
+          <a:p>
+            <a:pPr algn="ctr"/>
+            <a:r>
+              <a:rPr lang="th-TH" sz="1600" dirty="0"/>
+              <a:t>นายเปรมิตร พรมอินทร์</a:t>
+            </a:r>
+            <a:endParaRPr lang="en-US" sz="1600" dirty="0"/>
+          </a:p>
+        </p:txBody>
+      </p:sp>
+      <p:sp>
+        <p:nvSpPr>
+          <p:cNvPr id="8" name="TextBox 7">
+            <a:extLst>
+              <a:ext uri="{FF2B5EF4-FFF2-40B4-BE49-F238E27FC236}">
+                <a16:creationId xmlns:a16="http://schemas.microsoft.com/office/drawing/2014/main" id="{94DE7557-54E7-1287-52C1-D0108FCE177C}"/>
+              </a:ext>
+            </a:extLst>
+          </p:cNvPr>
+          <p:cNvSpPr txBox="1"/>
+          <p:nvPr/>
+        </p:nvSpPr>
+        <p:spPr>
+          <a:xfrm>
+            <a:off x="7856601" y="0"/>
+            <a:ext cx="3302507" cy="646331"/>
+          </a:xfrm>
+          <a:prstGeom prst="rect">
+            <a:avLst/>
+          </a:prstGeom>
+          <a:noFill/>
+        </p:spPr>
+        <p:txBody>
+          <a:bodyPr wrap="none" rtlCol="0">
+            <a:spAutoFit/>
+          </a:bodyPr>
+          <a:lstStyle/>
+          <a:p>
+            <a:r>
+              <a:rPr lang="th-TH" sz="3600" dirty="0"/>
+              <a:t>งานแสดงสินค้านานาชาติ</a:t>
+            </a:r>
+            <a:endParaRPr lang="en-US" sz="3600" dirty="0"/>
+          </a:p>
+        </p:txBody>
+      </p:sp>
+      <p:pic>
+        <p:nvPicPr>
+          <p:cNvPr id="3" name="Picture 2">
+            <a:extLst>
+              <a:ext uri="{FF2B5EF4-FFF2-40B4-BE49-F238E27FC236}">
+                <a16:creationId xmlns:a16="http://schemas.microsoft.com/office/drawing/2014/main" id="{F5236C37-008E-8A2F-AF8C-884ADFD7FA36}"/>
+              </a:ext>
+            </a:extLst>
+          </p:cNvPr>
+          <p:cNvPicPr>
+            <a:picLocks noChangeAspect="1"/>
+          </p:cNvPicPr>
+          <p:nvPr/>
+        </p:nvPicPr>
+        <p:blipFill>
+          <a:blip r:embed="rId3"/>
+          <a:stretch>
+            <a:fillRect/>
+          </a:stretch>
+        </p:blipFill>
+        <p:spPr>
+          <a:xfrm>
+            <a:off x="4305498" y="142875"/>
+            <a:ext cx="2810307" cy="6572250"/>
+          </a:xfrm>
+          <a:prstGeom prst="rect">
+            <a:avLst/>
+          </a:prstGeom>
+        </p:spPr>
+      </p:pic>
+      <p:sp>
+        <p:nvSpPr>
+          <p:cNvPr id="5" name="TextBox 4">
+            <a:extLst>
+              <a:ext uri="{FF2B5EF4-FFF2-40B4-BE49-F238E27FC236}">
+                <a16:creationId xmlns:a16="http://schemas.microsoft.com/office/drawing/2014/main" id="{87F6B85C-86EC-53EC-2E49-762FF23D5300}"/>
+              </a:ext>
+            </a:extLst>
+          </p:cNvPr>
+          <p:cNvSpPr txBox="1"/>
+          <p:nvPr/>
+        </p:nvSpPr>
+        <p:spPr>
+          <a:xfrm>
+            <a:off x="7432466" y="1133475"/>
+            <a:ext cx="3417923" cy="400110"/>
+          </a:xfrm>
+          <a:prstGeom prst="rect">
+            <a:avLst/>
+          </a:prstGeom>
+          <a:noFill/>
+        </p:spPr>
+        <p:txBody>
+          <a:bodyPr wrap="none" rtlCol="0">
+            <a:spAutoFit/>
+          </a:bodyPr>
+          <a:lstStyle/>
+          <a:p>
+            <a:r>
+              <a:rPr lang="th-TH" sz="2000" dirty="0"/>
+              <a:t>หน้านี้สำหรับการแก้ไขในทุกๆส่วนของรายการ</a:t>
+            </a:r>
+            <a:endParaRPr lang="en-US" sz="2000" dirty="0"/>
+          </a:p>
+        </p:txBody>
+      </p:sp>
+    </p:spTree>
+    <p:extLst>
+      <p:ext uri="{BB962C8B-B14F-4D97-AF65-F5344CB8AC3E}">
+        <p14:creationId xmlns:p14="http://schemas.microsoft.com/office/powerpoint/2010/main" val="190052386"/>
+      </p:ext>
+    </p:extLst>
+  </p:cSld>
+  <p:clrMapOvr>
+    <a:masterClrMapping/>
+  </p:clrMapOvr>
+</p:sld>
+</file>
+
+<file path=ppt/slides/slide5.xml><?xml version="1.0" encoding="utf-8"?>
+<p:sld xmlns:a="http://schemas.openxmlformats.org/drawingml/2006/main" xmlns:r="http://schemas.openxmlformats.org/officeDocument/2006/relationships" xmlns:p="http://schemas.openxmlformats.org/presentationml/2006/main">
+  <p:cSld>
+    <p:bg>
+      <p:bgPr>
+        <a:solidFill>
+          <a:schemeClr val="bg2"/>
+        </a:solidFill>
+        <a:effectLst/>
+      </p:bgPr>
+    </p:bg>
+    <p:spTree>
+      <p:nvGrpSpPr>
+        <p:cNvPr id="1" name="">
+          <a:extLst>
+            <a:ext uri="{FF2B5EF4-FFF2-40B4-BE49-F238E27FC236}">
+              <a16:creationId xmlns:a16="http://schemas.microsoft.com/office/drawing/2014/main" id="{4FCED380-E9EF-1125-AD16-135B6CDC9154}"/>
+            </a:ext>
+          </a:extLst>
+        </p:cNvPr>
+        <p:cNvGrpSpPr/>
+        <p:nvPr/>
+      </p:nvGrpSpPr>
+      <p:grpSpPr>
+        <a:xfrm>
+          <a:off x="0" y="0"/>
+          <a:ext cx="0" cy="0"/>
+          <a:chOff x="0" y="0"/>
+          <a:chExt cx="0" cy="0"/>
+        </a:xfrm>
+      </p:grpSpPr>
+      <p:sp useBgFill="1">
+        <p:nvSpPr>
+          <p:cNvPr id="9" name="Background Fill">
+            <a:extLst>
+              <a:ext uri="{FF2B5EF4-FFF2-40B4-BE49-F238E27FC236}">
+                <a16:creationId xmlns:a16="http://schemas.microsoft.com/office/drawing/2014/main" id="{FD1DD2B0-DA5F-E30E-73F8-2386CDF48939}"/>
+              </a:ext>
+              <a:ext uri="{C183D7F6-B498-43B3-948B-1728B52AA6E4}">
+                <adec:decorative xmlns:adec="http://schemas.microsoft.com/office/drawing/2017/decorative" val="1"/>
+              </a:ext>
+            </a:extLst>
+          </p:cNvPr>
+          <p:cNvSpPr>
+            <a:spLocks noGrp="1" noRot="1" noChangeAspect="1" noMove="1" noResize="1" noEditPoints="1" noAdjustHandles="1" noChangeArrowheads="1" noChangeShapeType="1" noTextEdit="1"/>
+          </p:cNvSpPr>
+          <p:nvPr>
+            <p:extLst>
+              <p:ext uri="{386F3935-93C4-4BCD-93E2-E3B085C9AB24}">
+                <p16:designElem xmlns:p16="http://schemas.microsoft.com/office/powerpoint/2015/main" val="1"/>
+              </p:ext>
+            </p:extLst>
+          </p:nvPr>
+        </p:nvSpPr>
+        <p:spPr>
+          <a:xfrm>
+            <a:off x="0" y="0"/>
+            <a:ext cx="12188952" cy="6858000"/>
+          </a:xfrm>
+          <a:prstGeom prst="rect">
+            <a:avLst/>
+          </a:prstGeom>
+          <a:ln>
+            <a:noFill/>
+          </a:ln>
+        </p:spPr>
+        <p:style>
+          <a:lnRef idx="2">
+            <a:schemeClr val="accent1">
+              <a:shade val="50000"/>
+            </a:schemeClr>
+          </a:lnRef>
+          <a:fillRef idx="1">
+            <a:schemeClr val="accent1"/>
+          </a:fillRef>
+          <a:effectRef idx="0">
+            <a:schemeClr val="accent1"/>
+          </a:effectRef>
+          <a:fontRef idx="minor">
+            <a:schemeClr val="lt1"/>
+          </a:fontRef>
+        </p:style>
+        <p:txBody>
+          <a:bodyPr rtlCol="0" anchor="ctr"/>
+          <a:lstStyle/>
+          <a:p>
+            <a:pPr algn="ctr"/>
+            <a:endParaRPr lang="en-US"/>
+          </a:p>
+        </p:txBody>
+      </p:sp>
+      <p:sp>
+        <p:nvSpPr>
+          <p:cNvPr id="11" name="Rectangle 10">
+            <a:extLst>
+              <a:ext uri="{FF2B5EF4-FFF2-40B4-BE49-F238E27FC236}">
+                <a16:creationId xmlns:a16="http://schemas.microsoft.com/office/drawing/2014/main" id="{8C1AD01B-9BA9-7B86-1C9D-14961B81FCC3}"/>
+              </a:ext>
+              <a:ext uri="{C183D7F6-B498-43B3-948B-1728B52AA6E4}">
+                <adec:decorative xmlns:adec="http://schemas.microsoft.com/office/drawing/2017/decorative" val="1"/>
+              </a:ext>
+            </a:extLst>
+          </p:cNvPr>
+          <p:cNvSpPr>
+            <a:spLocks noGrp="1" noRot="1" noChangeAspect="1" noMove="1" noResize="1" noEditPoints="1" noAdjustHandles="1" noChangeArrowheads="1" noChangeShapeType="1" noTextEdit="1"/>
+          </p:cNvSpPr>
+          <p:nvPr>
+            <p:extLst>
+              <p:ext uri="{386F3935-93C4-4BCD-93E2-E3B085C9AB24}">
+                <p16:designElem xmlns:p16="http://schemas.microsoft.com/office/powerpoint/2015/main" val="1"/>
+              </p:ext>
+            </p:extLst>
+          </p:nvPr>
+        </p:nvSpPr>
+        <p:spPr>
+          <a:xfrm>
+            <a:off x="0" y="0"/>
+            <a:ext cx="12192001" cy="6858000"/>
+          </a:xfrm>
+          <a:prstGeom prst="rect">
+            <a:avLst/>
+          </a:prstGeom>
+          <a:solidFill>
+            <a:srgbClr val="AEAEAE">
+              <a:alpha val="10000"/>
+            </a:srgbClr>
+          </a:solidFill>
+          <a:ln>
+            <a:noFill/>
+          </a:ln>
+        </p:spPr>
+        <p:style>
+          <a:lnRef idx="2">
+            <a:schemeClr val="accent1">
+              <a:shade val="50000"/>
+            </a:schemeClr>
+          </a:lnRef>
+          <a:fillRef idx="1">
+            <a:schemeClr val="accent1"/>
+          </a:fillRef>
+          <a:effectRef idx="0">
+            <a:schemeClr val="accent1"/>
+          </a:effectRef>
+          <a:fontRef idx="minor">
+            <a:schemeClr val="lt1"/>
+          </a:fontRef>
+        </p:style>
+        <p:txBody>
+          <a:bodyPr rtlCol="0" anchor="ctr"/>
+          <a:lstStyle/>
+          <a:p>
+            <a:pPr algn="ctr"/>
+            <a:endParaRPr lang="en-US" dirty="0"/>
+          </a:p>
+        </p:txBody>
+      </p:sp>
+      <p:pic>
+        <p:nvPicPr>
+          <p:cNvPr id="4" name="Picture 3" descr="Colored pencils inside a pencil holder which is on top of a wood table">
+            <a:extLst>
+              <a:ext uri="{FF2B5EF4-FFF2-40B4-BE49-F238E27FC236}">
+                <a16:creationId xmlns:a16="http://schemas.microsoft.com/office/drawing/2014/main" id="{9FC2501D-E069-4803-513B-A8BA22085B4C}"/>
+              </a:ext>
+            </a:extLst>
+          </p:cNvPr>
+          <p:cNvPicPr>
+            <a:picLocks noChangeAspect="1"/>
+          </p:cNvPicPr>
+          <p:nvPr/>
+        </p:nvPicPr>
+        <p:blipFill>
+          <a:blip r:embed="rId2"/>
+          <a:srcRect l="44418" r="-1" b="-1"/>
+          <a:stretch/>
+        </p:blipFill>
+        <p:spPr>
+          <a:xfrm>
+            <a:off x="20" y="10"/>
+            <a:ext cx="5710632" cy="6857990"/>
+          </a:xfrm>
+          <a:custGeom>
+            <a:avLst/>
+            <a:gdLst/>
+            <a:ahLst/>
+            <a:cxnLst/>
+            <a:rect l="l" t="t" r="r" b="b"/>
+            <a:pathLst>
+              <a:path w="5710652" h="6858000">
+                <a:moveTo>
+                  <a:pt x="4831301" y="0"/>
+                </a:moveTo>
+                <a:lnTo>
+                  <a:pt x="5696109" y="0"/>
+                </a:lnTo>
+                <a:lnTo>
+                  <a:pt x="5706418" y="42969"/>
+                </a:lnTo>
+                <a:cubicBezTo>
+                  <a:pt x="5714414" y="100391"/>
+                  <a:pt x="5711283" y="160329"/>
+                  <a:pt x="5695333" y="219852"/>
+                </a:cubicBezTo>
+                <a:cubicBezTo>
+                  <a:pt x="5631536" y="457945"/>
+                  <a:pt x="5386806" y="599240"/>
+                  <a:pt x="5148712" y="535443"/>
+                </a:cubicBezTo>
+                <a:cubicBezTo>
+                  <a:pt x="4940381" y="479621"/>
+                  <a:pt x="4806160" y="285271"/>
+                  <a:pt x="4818599" y="78052"/>
+                </a:cubicBezTo>
+                <a:close/>
+                <a:moveTo>
+                  <a:pt x="0" y="0"/>
+                </a:moveTo>
+                <a:lnTo>
+                  <a:pt x="545808" y="0"/>
+                </a:lnTo>
+                <a:lnTo>
+                  <a:pt x="4212872" y="0"/>
+                </a:lnTo>
+                <a:lnTo>
+                  <a:pt x="4204748" y="184996"/>
+                </a:lnTo>
+                <a:cubicBezTo>
+                  <a:pt x="4203390" y="263520"/>
+                  <a:pt x="4204263" y="341910"/>
+                  <a:pt x="4207775" y="419995"/>
+                </a:cubicBezTo>
+                <a:cubicBezTo>
+                  <a:pt x="4220964" y="709488"/>
+                  <a:pt x="4449625" y="891535"/>
+                  <a:pt x="4655737" y="1068099"/>
+                </a:cubicBezTo>
+                <a:cubicBezTo>
+                  <a:pt x="5169527" y="1508061"/>
+                  <a:pt x="5344373" y="2032158"/>
+                  <a:pt x="5103604" y="2589405"/>
+                </a:cubicBezTo>
+                <a:cubicBezTo>
+                  <a:pt x="5010230" y="2805523"/>
+                  <a:pt x="4828675" y="2993264"/>
+                  <a:pt x="4657611" y="3164269"/>
+                </a:cubicBezTo>
+                <a:cubicBezTo>
+                  <a:pt x="4198817" y="3622744"/>
+                  <a:pt x="4217616" y="4154456"/>
+                  <a:pt x="4499219" y="4641255"/>
+                </a:cubicBezTo>
+                <a:cubicBezTo>
+                  <a:pt x="4699839" y="4986832"/>
+                  <a:pt x="4940395" y="5311556"/>
+                  <a:pt x="5110950" y="5670858"/>
+                </a:cubicBezTo>
+                <a:cubicBezTo>
+                  <a:pt x="5277001" y="6019042"/>
+                  <a:pt x="5375520" y="6366409"/>
+                  <a:pt x="5396522" y="6707670"/>
+                </a:cubicBezTo>
+                <a:lnTo>
+                  <a:pt x="5398895" y="6858000"/>
+                </a:lnTo>
+                <a:lnTo>
+                  <a:pt x="0" y="6858000"/>
+                </a:lnTo>
+                <a:close/>
+              </a:path>
+            </a:pathLst>
+          </a:custGeom>
+        </p:spPr>
+      </p:pic>
+      <p:sp>
+        <p:nvSpPr>
+          <p:cNvPr id="7" name="TextBox 6">
+            <a:extLst>
+              <a:ext uri="{FF2B5EF4-FFF2-40B4-BE49-F238E27FC236}">
+                <a16:creationId xmlns:a16="http://schemas.microsoft.com/office/drawing/2014/main" id="{F05D6DC7-CCCC-1D5B-EB1F-D58B9A1508E4}"/>
+              </a:ext>
+            </a:extLst>
+          </p:cNvPr>
+          <p:cNvSpPr txBox="1"/>
+          <p:nvPr/>
+        </p:nvSpPr>
+        <p:spPr>
+          <a:xfrm>
+            <a:off x="10024446" y="6273225"/>
+            <a:ext cx="2639994" cy="584775"/>
+          </a:xfrm>
+          <a:prstGeom prst="rect">
+            <a:avLst/>
+          </a:prstGeom>
+          <a:noFill/>
+        </p:spPr>
+        <p:txBody>
+          <a:bodyPr wrap="square" rtlCol="0">
+            <a:spAutoFit/>
+          </a:bodyPr>
+          <a:lstStyle/>
+          <a:p>
+            <a:pPr algn="ctr"/>
+            <a:r>
+              <a:rPr lang="th-TH" sz="1600" dirty="0"/>
+              <a:t>65313143</a:t>
+            </a:r>
+          </a:p>
+          <a:p>
+            <a:pPr algn="ctr"/>
+            <a:r>
+              <a:rPr lang="th-TH" sz="1600" dirty="0"/>
+              <a:t>นายเปรมิตร พรมอินทร์</a:t>
+            </a:r>
+            <a:endParaRPr lang="en-US" sz="1600" dirty="0"/>
+          </a:p>
+        </p:txBody>
+      </p:sp>
+      <p:sp>
+        <p:nvSpPr>
+          <p:cNvPr id="8" name="TextBox 7">
+            <a:extLst>
+              <a:ext uri="{FF2B5EF4-FFF2-40B4-BE49-F238E27FC236}">
+                <a16:creationId xmlns:a16="http://schemas.microsoft.com/office/drawing/2014/main" id="{64C17162-977C-4CF3-0E3E-1AED0225931C}"/>
+              </a:ext>
+            </a:extLst>
+          </p:cNvPr>
+          <p:cNvSpPr txBox="1"/>
+          <p:nvPr/>
+        </p:nvSpPr>
+        <p:spPr>
+          <a:xfrm>
+            <a:off x="7989218" y="0"/>
+            <a:ext cx="3302507" cy="646331"/>
+          </a:xfrm>
+          <a:prstGeom prst="rect">
+            <a:avLst/>
+          </a:prstGeom>
+          <a:noFill/>
+        </p:spPr>
+        <p:txBody>
+          <a:bodyPr wrap="none" rtlCol="0">
+            <a:spAutoFit/>
+          </a:bodyPr>
+          <a:lstStyle/>
+          <a:p>
+            <a:r>
+              <a:rPr lang="th-TH" sz="3600" dirty="0"/>
+              <a:t>งานแสดงสินค้านานาชาติ</a:t>
+            </a:r>
+            <a:endParaRPr lang="en-US" sz="3600" dirty="0"/>
+          </a:p>
+        </p:txBody>
+      </p:sp>
+      <p:pic>
+        <p:nvPicPr>
+          <p:cNvPr id="3" name="Picture 2">
+            <a:extLst>
+              <a:ext uri="{FF2B5EF4-FFF2-40B4-BE49-F238E27FC236}">
+                <a16:creationId xmlns:a16="http://schemas.microsoft.com/office/drawing/2014/main" id="{680D73B1-109E-D9A9-6111-EE4DD731E65E}"/>
+              </a:ext>
+            </a:extLst>
+          </p:cNvPr>
+          <p:cNvPicPr>
+            <a:picLocks noChangeAspect="1"/>
+          </p:cNvPicPr>
+          <p:nvPr/>
+        </p:nvPicPr>
+        <p:blipFill>
+          <a:blip r:embed="rId3"/>
+          <a:stretch>
+            <a:fillRect/>
+          </a:stretch>
+        </p:blipFill>
+        <p:spPr>
+          <a:xfrm>
+            <a:off x="4329313" y="214312"/>
+            <a:ext cx="2762678" cy="6429375"/>
+          </a:xfrm>
+          <a:prstGeom prst="rect">
+            <a:avLst/>
+          </a:prstGeom>
+        </p:spPr>
+      </p:pic>
+      <p:cxnSp>
+        <p:nvCxnSpPr>
+          <p:cNvPr id="6" name="Straight Connector 5">
+            <a:extLst>
+              <a:ext uri="{FF2B5EF4-FFF2-40B4-BE49-F238E27FC236}">
+                <a16:creationId xmlns:a16="http://schemas.microsoft.com/office/drawing/2014/main" id="{46ABBBEC-93AF-D23E-C3E4-580857DA8824}"/>
+              </a:ext>
+            </a:extLst>
+          </p:cNvPr>
+          <p:cNvCxnSpPr/>
+          <p:nvPr/>
+        </p:nvCxnSpPr>
+        <p:spPr>
+          <a:xfrm>
+            <a:off x="6553200" y="2162175"/>
+            <a:ext cx="723900" cy="0"/>
+          </a:xfrm>
+          <a:prstGeom prst="line">
+            <a:avLst/>
+          </a:prstGeom>
+        </p:spPr>
+        <p:style>
+          <a:lnRef idx="3">
+            <a:schemeClr val="accent5"/>
+          </a:lnRef>
+          <a:fillRef idx="0">
+            <a:schemeClr val="accent5"/>
+          </a:fillRef>
+          <a:effectRef idx="2">
+            <a:schemeClr val="accent5"/>
+          </a:effectRef>
+          <a:fontRef idx="minor">
+            <a:schemeClr val="tx1"/>
+          </a:fontRef>
+        </p:style>
+      </p:cxnSp>
+      <p:cxnSp>
+        <p:nvCxnSpPr>
+          <p:cNvPr id="13" name="Straight Connector 12">
+            <a:extLst>
+              <a:ext uri="{FF2B5EF4-FFF2-40B4-BE49-F238E27FC236}">
+                <a16:creationId xmlns:a16="http://schemas.microsoft.com/office/drawing/2014/main" id="{AC578B59-3C2C-5293-F5F9-BBA9C543C6AE}"/>
+              </a:ext>
+            </a:extLst>
+          </p:cNvPr>
+          <p:cNvCxnSpPr/>
+          <p:nvPr/>
+        </p:nvCxnSpPr>
+        <p:spPr>
+          <a:xfrm>
+            <a:off x="7277100" y="2162175"/>
+            <a:ext cx="0" cy="1943100"/>
+          </a:xfrm>
+          <a:prstGeom prst="line">
+            <a:avLst/>
+          </a:prstGeom>
+        </p:spPr>
+        <p:style>
+          <a:lnRef idx="3">
+            <a:schemeClr val="accent5"/>
+          </a:lnRef>
+          <a:fillRef idx="0">
+            <a:schemeClr val="accent5"/>
+          </a:fillRef>
+          <a:effectRef idx="2">
+            <a:schemeClr val="accent5"/>
+          </a:effectRef>
+          <a:fontRef idx="minor">
+            <a:schemeClr val="tx1"/>
+          </a:fontRef>
+        </p:style>
+      </p:cxnSp>
+      <p:cxnSp>
+        <p:nvCxnSpPr>
+          <p:cNvPr id="15" name="Straight Connector 14">
+            <a:extLst>
+              <a:ext uri="{FF2B5EF4-FFF2-40B4-BE49-F238E27FC236}">
+                <a16:creationId xmlns:a16="http://schemas.microsoft.com/office/drawing/2014/main" id="{D31D6531-B7EB-062B-79EB-F8D4F6FC4990}"/>
+              </a:ext>
+            </a:extLst>
+          </p:cNvPr>
+          <p:cNvCxnSpPr/>
+          <p:nvPr/>
+        </p:nvCxnSpPr>
+        <p:spPr>
+          <a:xfrm flipH="1">
+            <a:off x="6553200" y="4095750"/>
+            <a:ext cx="723900" cy="0"/>
+          </a:xfrm>
+          <a:prstGeom prst="line">
+            <a:avLst/>
+          </a:prstGeom>
+        </p:spPr>
+        <p:style>
+          <a:lnRef idx="3">
+            <a:schemeClr val="accent5"/>
+          </a:lnRef>
+          <a:fillRef idx="0">
+            <a:schemeClr val="accent5"/>
+          </a:fillRef>
+          <a:effectRef idx="2">
+            <a:schemeClr val="accent5"/>
+          </a:effectRef>
+          <a:fontRef idx="minor">
+            <a:schemeClr val="tx1"/>
+          </a:fontRef>
+        </p:style>
+      </p:cxnSp>
+      <p:cxnSp>
+        <p:nvCxnSpPr>
+          <p:cNvPr id="17" name="Straight Arrow Connector 16">
+            <a:extLst>
+              <a:ext uri="{FF2B5EF4-FFF2-40B4-BE49-F238E27FC236}">
+                <a16:creationId xmlns:a16="http://schemas.microsoft.com/office/drawing/2014/main" id="{18370296-AB6C-842B-F118-0E345AD0BA41}"/>
+              </a:ext>
+            </a:extLst>
+          </p:cNvPr>
+          <p:cNvCxnSpPr/>
+          <p:nvPr/>
+        </p:nvCxnSpPr>
+        <p:spPr>
+          <a:xfrm>
+            <a:off x="7277100" y="3114675"/>
+            <a:ext cx="895350" cy="0"/>
+          </a:xfrm>
+          <a:prstGeom prst="straightConnector1">
+            <a:avLst/>
+          </a:prstGeom>
+          <a:ln w="19050" cap="flat" cmpd="sng" algn="ctr">
+            <a:solidFill>
+              <a:schemeClr val="accent5"/>
+            </a:solidFill>
+            <a:prstDash val="solid"/>
+            <a:round/>
+            <a:headEnd type="none" w="med" len="med"/>
+            <a:tailEnd type="arrow" w="med" len="med"/>
+          </a:ln>
+        </p:spPr>
+        <p:style>
+          <a:lnRef idx="0">
+            <a:scrgbClr r="0" g="0" b="0"/>
+          </a:lnRef>
+          <a:fillRef idx="0">
+            <a:scrgbClr r="0" g="0" b="0"/>
+          </a:fillRef>
+          <a:effectRef idx="0">
+            <a:scrgbClr r="0" g="0" b="0"/>
+          </a:effectRef>
+          <a:fontRef idx="minor">
+            <a:schemeClr val="tx1"/>
+          </a:fontRef>
+        </p:style>
+      </p:cxnSp>
+      <p:sp>
+        <p:nvSpPr>
+          <p:cNvPr id="18" name="TextBox 17">
+            <a:extLst>
+              <a:ext uri="{FF2B5EF4-FFF2-40B4-BE49-F238E27FC236}">
+                <a16:creationId xmlns:a16="http://schemas.microsoft.com/office/drawing/2014/main" id="{3B04B925-4991-45C9-8AA7-43B172B03AA3}"/>
+              </a:ext>
+            </a:extLst>
+          </p:cNvPr>
+          <p:cNvSpPr txBox="1"/>
+          <p:nvPr/>
+        </p:nvSpPr>
+        <p:spPr>
+          <a:xfrm>
+            <a:off x="8259546" y="2905780"/>
+            <a:ext cx="1473480" cy="369332"/>
+          </a:xfrm>
+          <a:prstGeom prst="rect">
+            <a:avLst/>
+          </a:prstGeom>
+          <a:noFill/>
+        </p:spPr>
+        <p:txBody>
+          <a:bodyPr wrap="none" rtlCol="0">
+            <a:spAutoFit/>
+          </a:bodyPr>
+          <a:lstStyle/>
+          <a:p>
+            <a:r>
+              <a:rPr lang="th-TH" dirty="0"/>
+              <a:t>แสดงรายการปัจจุบัน</a:t>
+            </a:r>
+            <a:endParaRPr lang="en-US" dirty="0"/>
+          </a:p>
+        </p:txBody>
+      </p:sp>
+      <p:cxnSp>
+        <p:nvCxnSpPr>
+          <p:cNvPr id="20" name="Straight Connector 19">
+            <a:extLst>
+              <a:ext uri="{FF2B5EF4-FFF2-40B4-BE49-F238E27FC236}">
+                <a16:creationId xmlns:a16="http://schemas.microsoft.com/office/drawing/2014/main" id="{D9F9A25F-0EDA-7619-39AF-7045B17539DB}"/>
+              </a:ext>
+            </a:extLst>
+          </p:cNvPr>
+          <p:cNvCxnSpPr>
+            <a:cxnSpLocks/>
+          </p:cNvCxnSpPr>
+          <p:nvPr/>
+        </p:nvCxnSpPr>
+        <p:spPr>
+          <a:xfrm>
+            <a:off x="7364196" y="4543425"/>
+            <a:ext cx="0" cy="1247775"/>
+          </a:xfrm>
+          <a:prstGeom prst="line">
+            <a:avLst/>
+          </a:prstGeom>
+        </p:spPr>
+        <p:style>
+          <a:lnRef idx="3">
+            <a:schemeClr val="accent5"/>
+          </a:lnRef>
+          <a:fillRef idx="0">
+            <a:schemeClr val="accent5"/>
+          </a:fillRef>
+          <a:effectRef idx="2">
+            <a:schemeClr val="accent5"/>
+          </a:effectRef>
+          <a:fontRef idx="minor">
+            <a:schemeClr val="tx1"/>
+          </a:fontRef>
+        </p:style>
+      </p:cxnSp>
+      <p:cxnSp>
+        <p:nvCxnSpPr>
+          <p:cNvPr id="22" name="Straight Arrow Connector 21">
+            <a:extLst>
+              <a:ext uri="{FF2B5EF4-FFF2-40B4-BE49-F238E27FC236}">
+                <a16:creationId xmlns:a16="http://schemas.microsoft.com/office/drawing/2014/main" id="{46AC061E-8950-4E59-AF6B-5D7E881ED037}"/>
+              </a:ext>
+            </a:extLst>
+          </p:cNvPr>
+          <p:cNvCxnSpPr/>
+          <p:nvPr/>
+        </p:nvCxnSpPr>
+        <p:spPr>
+          <a:xfrm>
+            <a:off x="7364196" y="5248275"/>
+            <a:ext cx="895350" cy="0"/>
+          </a:xfrm>
+          <a:prstGeom prst="straightConnector1">
+            <a:avLst/>
+          </a:prstGeom>
+          <a:ln w="19050" cap="flat" cmpd="sng" algn="ctr">
+            <a:solidFill>
+              <a:schemeClr val="accent5"/>
+            </a:solidFill>
+            <a:prstDash val="solid"/>
+            <a:round/>
+            <a:headEnd type="none" w="med" len="med"/>
+            <a:tailEnd type="arrow" w="med" len="med"/>
+          </a:ln>
+        </p:spPr>
+        <p:style>
+          <a:lnRef idx="0">
+            <a:scrgbClr r="0" g="0" b="0"/>
+          </a:lnRef>
+          <a:fillRef idx="0">
+            <a:scrgbClr r="0" g="0" b="0"/>
+          </a:fillRef>
+          <a:effectRef idx="0">
+            <a:scrgbClr r="0" g="0" b="0"/>
+          </a:effectRef>
+          <a:fontRef idx="minor">
+            <a:schemeClr val="tx1"/>
+          </a:fontRef>
+        </p:style>
+      </p:cxnSp>
+      <p:sp>
+        <p:nvSpPr>
+          <p:cNvPr id="25" name="TextBox 24">
+            <a:extLst>
+              <a:ext uri="{FF2B5EF4-FFF2-40B4-BE49-F238E27FC236}">
+                <a16:creationId xmlns:a16="http://schemas.microsoft.com/office/drawing/2014/main" id="{5F951124-8CD5-EE02-8AE7-45282F27A50A}"/>
+              </a:ext>
+            </a:extLst>
+          </p:cNvPr>
+          <p:cNvSpPr txBox="1"/>
+          <p:nvPr/>
+        </p:nvSpPr>
+        <p:spPr>
+          <a:xfrm>
+            <a:off x="8303094" y="5063609"/>
+            <a:ext cx="968535" cy="369332"/>
+          </a:xfrm>
+          <a:prstGeom prst="rect">
+            <a:avLst/>
+          </a:prstGeom>
+          <a:noFill/>
+        </p:spPr>
+        <p:txBody>
+          <a:bodyPr wrap="none" rtlCol="0">
+            <a:spAutoFit/>
+          </a:bodyPr>
+          <a:lstStyle/>
+          <a:p>
+            <a:r>
+              <a:rPr lang="th-TH" dirty="0"/>
+              <a:t>แสดงการลบ</a:t>
+            </a:r>
+            <a:endParaRPr lang="en-US" dirty="0"/>
+          </a:p>
+        </p:txBody>
+      </p:sp>
+      <p:cxnSp>
+        <p:nvCxnSpPr>
+          <p:cNvPr id="26" name="Straight Connector 25">
+            <a:extLst>
+              <a:ext uri="{FF2B5EF4-FFF2-40B4-BE49-F238E27FC236}">
+                <a16:creationId xmlns:a16="http://schemas.microsoft.com/office/drawing/2014/main" id="{CC4C3D31-66D8-FD51-5DC5-06F0FACAD8C4}"/>
+              </a:ext>
+            </a:extLst>
+          </p:cNvPr>
+          <p:cNvCxnSpPr/>
+          <p:nvPr/>
+        </p:nvCxnSpPr>
+        <p:spPr>
+          <a:xfrm flipH="1">
+            <a:off x="6640296" y="4543425"/>
+            <a:ext cx="723900" cy="0"/>
+          </a:xfrm>
+          <a:prstGeom prst="line">
+            <a:avLst/>
+          </a:prstGeom>
+        </p:spPr>
+        <p:style>
+          <a:lnRef idx="3">
+            <a:schemeClr val="accent5"/>
+          </a:lnRef>
+          <a:fillRef idx="0">
+            <a:schemeClr val="accent5"/>
+          </a:fillRef>
+          <a:effectRef idx="2">
+            <a:schemeClr val="accent5"/>
+          </a:effectRef>
+          <a:fontRef idx="minor">
+            <a:schemeClr val="tx1"/>
+          </a:fontRef>
+        </p:style>
+      </p:cxnSp>
+      <p:cxnSp>
+        <p:nvCxnSpPr>
+          <p:cNvPr id="27" name="Straight Connector 26">
+            <a:extLst>
+              <a:ext uri="{FF2B5EF4-FFF2-40B4-BE49-F238E27FC236}">
+                <a16:creationId xmlns:a16="http://schemas.microsoft.com/office/drawing/2014/main" id="{308671C7-69A5-3EC1-5CEA-3815F7ED7AB9}"/>
+              </a:ext>
+            </a:extLst>
+          </p:cNvPr>
+          <p:cNvCxnSpPr/>
+          <p:nvPr/>
+        </p:nvCxnSpPr>
+        <p:spPr>
+          <a:xfrm flipH="1">
+            <a:off x="6640296" y="5791200"/>
+            <a:ext cx="723900" cy="0"/>
+          </a:xfrm>
+          <a:prstGeom prst="line">
+            <a:avLst/>
+          </a:prstGeom>
+        </p:spPr>
+        <p:style>
+          <a:lnRef idx="3">
+            <a:schemeClr val="accent5"/>
+          </a:lnRef>
+          <a:fillRef idx="0">
+            <a:schemeClr val="accent5"/>
+          </a:fillRef>
+          <a:effectRef idx="2">
+            <a:schemeClr val="accent5"/>
+          </a:effectRef>
+          <a:fontRef idx="minor">
+            <a:schemeClr val="tx1"/>
+          </a:fontRef>
+        </p:style>
+      </p:cxnSp>
+    </p:spTree>
+    <p:extLst>
+      <p:ext uri="{BB962C8B-B14F-4D97-AF65-F5344CB8AC3E}">
+        <p14:creationId xmlns:p14="http://schemas.microsoft.com/office/powerpoint/2010/main" val="1816105889"/>
+      </p:ext>
+    </p:extLst>
+  </p:cSld>
+  <p:clrMapOvr>
+    <a:masterClrMapping/>
+  </p:clrMapOvr>
+</p:sld>
+</file>
+
 <file path=ppt/theme/theme1.xml><?xml version="1.0" encoding="utf-8"?>
 <a:theme xmlns:a="http://schemas.openxmlformats.org/drawingml/2006/main" name="SplashVTI">
   <a:themeElements>
